--- a/Project/Mental Wellness Sentiment Analysis.pptx
+++ b/Project/Mental Wellness Sentiment Analysis.pptx
@@ -169,7 +169,7 @@
           <p:cNvPr id="2" name="Header Placeholder 1">
             <a:extLst>
               <a:ext uri="{FF2B5EF4-FFF2-40B4-BE49-F238E27FC236}">
-                <a16:creationId xmlns="" xmlns:a16="http://schemas.microsoft.com/office/drawing/2014/main" id="{E87E1F32-670E-42A1-BB79-BE7CF13D3D4C}"/>
+                <a16:creationId xmlns:a16="http://schemas.microsoft.com/office/drawing/2014/main" xmlns="" id="{E87E1F32-670E-42A1-BB79-BE7CF13D3D4C}"/>
               </a:ext>
             </a:extLst>
           </p:cNvPr>
@@ -206,7 +206,7 @@
           <p:cNvPr id="3" name="Date Placeholder 2">
             <a:extLst>
               <a:ext uri="{FF2B5EF4-FFF2-40B4-BE49-F238E27FC236}">
-                <a16:creationId xmlns="" xmlns:a16="http://schemas.microsoft.com/office/drawing/2014/main" id="{37952D9F-355D-4E4D-9520-4A19B2947623}"/>
+                <a16:creationId xmlns:a16="http://schemas.microsoft.com/office/drawing/2014/main" xmlns="" id="{37952D9F-355D-4E4D-9520-4A19B2947623}"/>
               </a:ext>
             </a:extLst>
           </p:cNvPr>
@@ -236,7 +236,7 @@
           <a:p>
             <a:fld id="{2323F10A-5BE5-4EE5-83A9-FC7FBAB5AC38}" type="datetimeFigureOut">
               <a:rPr lang="en-US" smtClean="0"/>
-              <a:t>11/30/2019</a:t>
+              <a:t>12/2/2019</a:t>
             </a:fld>
             <a:endParaRPr lang="en-US" dirty="0"/>
           </a:p>
@@ -247,7 +247,7 @@
           <p:cNvPr id="4" name="Footer Placeholder 3">
             <a:extLst>
               <a:ext uri="{FF2B5EF4-FFF2-40B4-BE49-F238E27FC236}">
-                <a16:creationId xmlns="" xmlns:a16="http://schemas.microsoft.com/office/drawing/2014/main" id="{9C1D824E-CABD-4018-B1C4-F54DF49C3C83}"/>
+                <a16:creationId xmlns:a16="http://schemas.microsoft.com/office/drawing/2014/main" xmlns="" id="{9C1D824E-CABD-4018-B1C4-F54DF49C3C83}"/>
               </a:ext>
             </a:extLst>
           </p:cNvPr>
@@ -284,7 +284,7 @@
           <p:cNvPr id="5" name="Slide Number Placeholder 4">
             <a:extLst>
               <a:ext uri="{FF2B5EF4-FFF2-40B4-BE49-F238E27FC236}">
-                <a16:creationId xmlns="" xmlns:a16="http://schemas.microsoft.com/office/drawing/2014/main" id="{568D1F29-09CA-482E-8686-EEE88BB73D4D}"/>
+                <a16:creationId xmlns:a16="http://schemas.microsoft.com/office/drawing/2014/main" xmlns="" id="{568D1F29-09CA-482E-8686-EEE88BB73D4D}"/>
               </a:ext>
             </a:extLst>
           </p:cNvPr>
@@ -413,7 +413,7 @@
           <a:p>
             <a:fld id="{56727D22-D115-4CF2-BE84-ED8A12B36F7E}" type="datetimeFigureOut">
               <a:rPr lang="en-US" noProof="0" smtClean="0"/>
-              <a:t>11/30/2019</a:t>
+              <a:t>12/2/2019</a:t>
             </a:fld>
             <a:endParaRPr lang="en-US" noProof="0" dirty="0"/>
           </a:p>
@@ -702,7 +702,7 @@
           <p:cNvPr id="6" name="Picture 5">
             <a:extLst>
               <a:ext uri="{FF2B5EF4-FFF2-40B4-BE49-F238E27FC236}">
-                <a16:creationId xmlns="" xmlns:a16="http://schemas.microsoft.com/office/drawing/2014/main" id="{6431B22D-278B-4494-9983-22D9FEE2D057}"/>
+                <a16:creationId xmlns:a16="http://schemas.microsoft.com/office/drawing/2014/main" xmlns="" id="{6431B22D-278B-4494-9983-22D9FEE2D057}"/>
               </a:ext>
             </a:extLst>
           </p:cNvPr>
@@ -732,7 +732,7 @@
           <p:cNvPr id="14" name="Text Placeholder 13">
             <a:extLst>
               <a:ext uri="{FF2B5EF4-FFF2-40B4-BE49-F238E27FC236}">
-                <a16:creationId xmlns="" xmlns:a16="http://schemas.microsoft.com/office/drawing/2014/main" id="{780CA53D-B21C-44EE-A7DC-F80DFA651AFE}"/>
+                <a16:creationId xmlns:a16="http://schemas.microsoft.com/office/drawing/2014/main" xmlns="" id="{780CA53D-B21C-44EE-A7DC-F80DFA651AFE}"/>
               </a:ext>
             </a:extLst>
           </p:cNvPr>
@@ -794,7 +794,7 @@
           <p:cNvPr id="29" name="Title 28">
             <a:extLst>
               <a:ext uri="{FF2B5EF4-FFF2-40B4-BE49-F238E27FC236}">
-                <a16:creationId xmlns="" xmlns:a16="http://schemas.microsoft.com/office/drawing/2014/main" id="{CF5BE93F-A649-42C8-AEBD-2B75A390FADC}"/>
+                <a16:creationId xmlns:a16="http://schemas.microsoft.com/office/drawing/2014/main" xmlns="" id="{CF5BE93F-A649-42C8-AEBD-2B75A390FADC}"/>
               </a:ext>
             </a:extLst>
           </p:cNvPr>
@@ -1442,7 +1442,7 @@
           <p:cNvPr id="3" name="Title 2">
             <a:extLst>
               <a:ext uri="{FF2B5EF4-FFF2-40B4-BE49-F238E27FC236}">
-                <a16:creationId xmlns="" xmlns:a16="http://schemas.microsoft.com/office/drawing/2014/main" id="{6F345E3D-A2D8-410A-AB73-7095D6AFCF69}"/>
+                <a16:creationId xmlns:a16="http://schemas.microsoft.com/office/drawing/2014/main" xmlns="" id="{6F345E3D-A2D8-410A-AB73-7095D6AFCF69}"/>
               </a:ext>
             </a:extLst>
           </p:cNvPr>
@@ -1477,7 +1477,7 @@
           <p:cNvPr id="25" name="Text Placeholder 19">
             <a:extLst>
               <a:ext uri="{FF2B5EF4-FFF2-40B4-BE49-F238E27FC236}">
-                <a16:creationId xmlns="" xmlns:a16="http://schemas.microsoft.com/office/drawing/2014/main" id="{A3725F2D-3F20-47AB-B9A5-E5757F6FF86A}"/>
+                <a16:creationId xmlns:a16="http://schemas.microsoft.com/office/drawing/2014/main" xmlns="" id="{A3725F2D-3F20-47AB-B9A5-E5757F6FF86A}"/>
               </a:ext>
             </a:extLst>
           </p:cNvPr>
@@ -1683,7 +1683,7 @@
           <p:cNvPr id="26" name="Text Placeholder 19">
             <a:extLst>
               <a:ext uri="{FF2B5EF4-FFF2-40B4-BE49-F238E27FC236}">
-                <a16:creationId xmlns="" xmlns:a16="http://schemas.microsoft.com/office/drawing/2014/main" id="{393A3EB8-3EBA-4BA7-997A-376D9150E903}"/>
+                <a16:creationId xmlns:a16="http://schemas.microsoft.com/office/drawing/2014/main" xmlns="" id="{393A3EB8-3EBA-4BA7-997A-376D9150E903}"/>
               </a:ext>
             </a:extLst>
           </p:cNvPr>
@@ -1876,7 +1876,55 @@
           <a:p>
             <a:r>
               <a:rPr lang="en-US" dirty="0"/>
-              <a:t>The purpose of the project is try to determine the current mental wellbeing of a person through input of their text using technique call RNN (Recurrent Neural Network). Initial plan is to create a small prototype that will work on 2 or 3 categories such as depression, anxiety and suicidal thoughts using labeled data that scraped off from websites and clean up the data using panda, then implement a basic RNN model using </a:t>
+              <a:t>The purpose of the project is </a:t>
+            </a:r>
+            <a:r>
+              <a:rPr lang="en-US" dirty="0" smtClean="0"/>
+              <a:t>to attempt to prescreen prospective clients for mental wellness issues by analyzing text. The mental </a:t>
+            </a:r>
+            <a:r>
+              <a:rPr lang="en-US" dirty="0"/>
+              <a:t>wellbeing of a person </a:t>
+            </a:r>
+            <a:r>
+              <a:rPr lang="en-US" dirty="0" smtClean="0"/>
+              <a:t>is assessed through </a:t>
+            </a:r>
+            <a:r>
+              <a:rPr lang="en-US" dirty="0"/>
+              <a:t>input of their text using </a:t>
+            </a:r>
+            <a:r>
+              <a:rPr lang="en-US" dirty="0" smtClean="0"/>
+              <a:t>a technique </a:t>
+            </a:r>
+            <a:r>
+              <a:rPr lang="en-US" dirty="0"/>
+              <a:t>call RNN (Recurrent Neural Network). </a:t>
+            </a:r>
+            <a:r>
+              <a:rPr lang="en-US" dirty="0" smtClean="0"/>
+              <a:t>The initial </a:t>
+            </a:r>
+            <a:r>
+              <a:rPr lang="en-US" dirty="0"/>
+              <a:t>plan is to create a small prototype that will work on 2 or 3 categories such as depression, anxiety and suicidal thoughts using labeled data </a:t>
+            </a:r>
+            <a:r>
+              <a:rPr lang="en-US" dirty="0" smtClean="0"/>
+              <a:t>that is </a:t>
+            </a:r>
+            <a:r>
+              <a:rPr lang="en-US" dirty="0"/>
+              <a:t>scraped off from websites and </a:t>
+            </a:r>
+            <a:r>
+              <a:rPr lang="en-US" dirty="0" smtClean="0"/>
+              <a:t>organized using </a:t>
+            </a:r>
+            <a:r>
+              <a:rPr lang="en-US" dirty="0"/>
+              <a:t>panda, then implement a basic RNN model using </a:t>
             </a:r>
             <a:r>
               <a:rPr lang="en-US" dirty="0" err="1"/>
@@ -1884,7 +1932,15 @@
             </a:r>
             <a:r>
               <a:rPr lang="en-US" dirty="0"/>
-              <a:t> and test out the result.  </a:t>
+              <a:t> and test </a:t>
+            </a:r>
+            <a:r>
+              <a:rPr lang="en-US" dirty="0" smtClean="0"/>
+              <a:t>the </a:t>
+            </a:r>
+            <a:r>
+              <a:rPr lang="en-US" dirty="0"/>
+              <a:t>result.  </a:t>
             </a:r>
             <a:endParaRPr lang="en-CA" dirty="0"/>
           </a:p>
@@ -1898,7 +1954,7 @@
           <p:cNvPr id="23" name="Text Placeholder 19">
             <a:extLst>
               <a:ext uri="{FF2B5EF4-FFF2-40B4-BE49-F238E27FC236}">
-                <a16:creationId xmlns="" xmlns:a16="http://schemas.microsoft.com/office/drawing/2014/main" id="{6BE59FCF-FFED-4A34-AAEC-8C22F983D227}"/>
+                <a16:creationId xmlns:a16="http://schemas.microsoft.com/office/drawing/2014/main" xmlns="" id="{6BE59FCF-FFED-4A34-AAEC-8C22F983D227}"/>
               </a:ext>
             </a:extLst>
           </p:cNvPr>
@@ -2089,7 +2145,7 @@
             <a:pPr algn="ctr"/>
             <a:r>
               <a:rPr lang="en-US" sz="1400" dirty="0" smtClean="0"/>
-              <a:t>REQUIREMENT</a:t>
+              <a:t>REQUIREMENTS</a:t>
             </a:r>
             <a:endParaRPr lang="en-US" sz="1400" dirty="0"/>
           </a:p>
@@ -2100,7 +2156,7 @@
           <p:cNvPr id="24" name="Text Placeholder 19">
             <a:extLst>
               <a:ext uri="{FF2B5EF4-FFF2-40B4-BE49-F238E27FC236}">
-                <a16:creationId xmlns="" xmlns:a16="http://schemas.microsoft.com/office/drawing/2014/main" id="{6ED694E5-AE6C-41B5-B6A8-CDF7585D6174}"/>
+                <a16:creationId xmlns:a16="http://schemas.microsoft.com/office/drawing/2014/main" xmlns="" id="{6ED694E5-AE6C-41B5-B6A8-CDF7585D6174}"/>
               </a:ext>
             </a:extLst>
           </p:cNvPr>
@@ -2318,11 +2374,7 @@
             </a:pPr>
             <a:r>
               <a:rPr lang="en-US" dirty="0" smtClean="0"/>
-              <a:t>i7 </a:t>
-            </a:r>
-            <a:r>
-              <a:rPr lang="en-US" dirty="0" smtClean="0"/>
-              <a:t>CPU</a:t>
+              <a:t>i7 CPU</a:t>
             </a:r>
           </a:p>
           <a:p>
@@ -2338,17 +2390,22 @@
             </a:pPr>
             <a:r>
               <a:rPr lang="en-US" dirty="0" smtClean="0"/>
-              <a:t>GTX 1080  CPU</a:t>
-            </a:r>
+              <a:t>GTX </a:t>
+            </a:r>
+            <a:r>
+              <a:rPr lang="en-US" dirty="0" smtClean="0"/>
+              <a:t>1080 GPU</a:t>
+            </a:r>
+            <a:endParaRPr lang="en-US" dirty="0" smtClean="0"/>
           </a:p>
         </p:txBody>
       </p:sp>
       <p:sp>
         <p:nvSpPr>
-          <p:cNvPr id="12" name="Text Placeholder 19">
+          <p:cNvPr id="14" name="Text Placeholder 19">
             <a:extLst>
               <a:ext uri="{FF2B5EF4-FFF2-40B4-BE49-F238E27FC236}">
-                <a16:creationId xmlns="" xmlns:a16="http://schemas.microsoft.com/office/drawing/2014/main" id="{ACA5A773-11C4-4FE2-BDDF-0F2854BD2E1F}"/>
+                <a16:creationId xmlns:a16="http://schemas.microsoft.com/office/drawing/2014/main" xmlns="" id="{2B5F14DE-7D1A-461C-95A5-3E218CC452D4}"/>
               </a:ext>
             </a:extLst>
           </p:cNvPr>
@@ -2359,209 +2416,8 @@
         </p:nvSpPr>
         <p:spPr>
           <a:xfrm>
-            <a:off x="2844800" y="2434302"/>
-            <a:ext cx="3860799" cy="1369624"/>
-          </a:xfrm>
-          <a:prstGeom prst="rect">
-            <a:avLst/>
-          </a:prstGeom>
-          <a:solidFill>
-            <a:schemeClr val="tx1">
-              <a:alpha val="50000"/>
-            </a:schemeClr>
-          </a:solidFill>
-        </p:spPr>
-        <p:txBody>
-          <a:bodyPr lIns="126000" tIns="108000" rIns="54000" bIns="72000">
-            <a:noAutofit/>
-          </a:bodyPr>
-          <a:lstStyle>
-            <a:lvl1pPr marL="0" indent="0" algn="l" defTabSz="685800" rtl="0" eaLnBrk="1" latinLnBrk="0" hangingPunct="1">
-              <a:lnSpc>
-                <a:spcPct val="90000"/>
-              </a:lnSpc>
-              <a:spcBef>
-                <a:spcPts val="750"/>
-              </a:spcBef>
-              <a:buFont typeface="Arial" panose="020B0604020202020204" pitchFamily="34" charset="0"/>
-              <a:buNone/>
-              <a:defRPr sz="4100" kern="1200">
-                <a:solidFill>
-                  <a:schemeClr val="bg2"/>
-                </a:solidFill>
-                <a:latin typeface="+mj-lt"/>
-                <a:ea typeface="+mn-ea"/>
-                <a:cs typeface="+mn-cs"/>
-              </a:defRPr>
-            </a:lvl1pPr>
-            <a:lvl2pPr marL="514350" indent="-171450" algn="l" defTabSz="685800" rtl="0" eaLnBrk="1" latinLnBrk="0" hangingPunct="1">
-              <a:lnSpc>
-                <a:spcPct val="90000"/>
-              </a:lnSpc>
-              <a:spcBef>
-                <a:spcPts val="375"/>
-              </a:spcBef>
-              <a:buFont typeface="Arial" panose="020B0604020202020204" pitchFamily="34" charset="0"/>
-              <a:buChar char="•"/>
-              <a:defRPr sz="1800" kern="1200">
-                <a:solidFill>
-                  <a:schemeClr val="tx1"/>
-                </a:solidFill>
-                <a:latin typeface="+mn-lt"/>
-                <a:ea typeface="+mn-ea"/>
-                <a:cs typeface="+mn-cs"/>
-              </a:defRPr>
-            </a:lvl2pPr>
-            <a:lvl3pPr marL="857250" indent="-171450" algn="l" defTabSz="685800" rtl="0" eaLnBrk="1" latinLnBrk="0" hangingPunct="1">
-              <a:lnSpc>
-                <a:spcPct val="90000"/>
-              </a:lnSpc>
-              <a:spcBef>
-                <a:spcPts val="375"/>
-              </a:spcBef>
-              <a:buFont typeface="Arial" panose="020B0604020202020204" pitchFamily="34" charset="0"/>
-              <a:buChar char="•"/>
-              <a:defRPr sz="1500" kern="1200">
-                <a:solidFill>
-                  <a:schemeClr val="tx1"/>
-                </a:solidFill>
-                <a:latin typeface="+mn-lt"/>
-                <a:ea typeface="+mn-ea"/>
-                <a:cs typeface="+mn-cs"/>
-              </a:defRPr>
-            </a:lvl3pPr>
-            <a:lvl4pPr marL="1200150" indent="-171450" algn="l" defTabSz="685800" rtl="0" eaLnBrk="1" latinLnBrk="0" hangingPunct="1">
-              <a:lnSpc>
-                <a:spcPct val="90000"/>
-              </a:lnSpc>
-              <a:spcBef>
-                <a:spcPts val="375"/>
-              </a:spcBef>
-              <a:buFont typeface="Arial" panose="020B0604020202020204" pitchFamily="34" charset="0"/>
-              <a:buChar char="•"/>
-              <a:defRPr sz="1350" kern="1200">
-                <a:solidFill>
-                  <a:schemeClr val="tx1"/>
-                </a:solidFill>
-                <a:latin typeface="+mn-lt"/>
-                <a:ea typeface="+mn-ea"/>
-                <a:cs typeface="+mn-cs"/>
-              </a:defRPr>
-            </a:lvl4pPr>
-            <a:lvl5pPr marL="1543050" indent="-171450" algn="l" defTabSz="685800" rtl="0" eaLnBrk="1" latinLnBrk="0" hangingPunct="1">
-              <a:lnSpc>
-                <a:spcPct val="90000"/>
-              </a:lnSpc>
-              <a:spcBef>
-                <a:spcPts val="375"/>
-              </a:spcBef>
-              <a:buFont typeface="Arial" panose="020B0604020202020204" pitchFamily="34" charset="0"/>
-              <a:buChar char="•"/>
-              <a:defRPr sz="1350" kern="1200">
-                <a:solidFill>
-                  <a:schemeClr val="tx1"/>
-                </a:solidFill>
-                <a:latin typeface="+mn-lt"/>
-                <a:ea typeface="+mn-ea"/>
-                <a:cs typeface="+mn-cs"/>
-              </a:defRPr>
-            </a:lvl5pPr>
-            <a:lvl6pPr marL="1885950" indent="-171450" algn="l" defTabSz="685800" rtl="0" eaLnBrk="1" latinLnBrk="0" hangingPunct="1">
-              <a:lnSpc>
-                <a:spcPct val="90000"/>
-              </a:lnSpc>
-              <a:spcBef>
-                <a:spcPts val="375"/>
-              </a:spcBef>
-              <a:buFont typeface="Arial" panose="020B0604020202020204" pitchFamily="34" charset="0"/>
-              <a:buChar char="•"/>
-              <a:defRPr sz="1350" kern="1200">
-                <a:solidFill>
-                  <a:schemeClr val="tx1"/>
-                </a:solidFill>
-                <a:latin typeface="+mn-lt"/>
-                <a:ea typeface="+mn-ea"/>
-                <a:cs typeface="+mn-cs"/>
-              </a:defRPr>
-            </a:lvl6pPr>
-            <a:lvl7pPr marL="2228850" indent="-171450" algn="l" defTabSz="685800" rtl="0" eaLnBrk="1" latinLnBrk="0" hangingPunct="1">
-              <a:lnSpc>
-                <a:spcPct val="90000"/>
-              </a:lnSpc>
-              <a:spcBef>
-                <a:spcPts val="375"/>
-              </a:spcBef>
-              <a:buFont typeface="Arial" panose="020B0604020202020204" pitchFamily="34" charset="0"/>
-              <a:buChar char="•"/>
-              <a:defRPr sz="1350" kern="1200">
-                <a:solidFill>
-                  <a:schemeClr val="tx1"/>
-                </a:solidFill>
-                <a:latin typeface="+mn-lt"/>
-                <a:ea typeface="+mn-ea"/>
-                <a:cs typeface="+mn-cs"/>
-              </a:defRPr>
-            </a:lvl7pPr>
-            <a:lvl8pPr marL="2571750" indent="-171450" algn="l" defTabSz="685800" rtl="0" eaLnBrk="1" latinLnBrk="0" hangingPunct="1">
-              <a:lnSpc>
-                <a:spcPct val="90000"/>
-              </a:lnSpc>
-              <a:spcBef>
-                <a:spcPts val="375"/>
-              </a:spcBef>
-              <a:buFont typeface="Arial" panose="020B0604020202020204" pitchFamily="34" charset="0"/>
-              <a:buChar char="•"/>
-              <a:defRPr sz="1350" kern="1200">
-                <a:solidFill>
-                  <a:schemeClr val="tx1"/>
-                </a:solidFill>
-                <a:latin typeface="+mn-lt"/>
-                <a:ea typeface="+mn-ea"/>
-                <a:cs typeface="+mn-cs"/>
-              </a:defRPr>
-            </a:lvl8pPr>
-            <a:lvl9pPr marL="2914650" indent="-171450" algn="l" defTabSz="685800" rtl="0" eaLnBrk="1" latinLnBrk="0" hangingPunct="1">
-              <a:lnSpc>
-                <a:spcPct val="90000"/>
-              </a:lnSpc>
-              <a:spcBef>
-                <a:spcPts val="375"/>
-              </a:spcBef>
-              <a:buFont typeface="Arial" panose="020B0604020202020204" pitchFamily="34" charset="0"/>
-              <a:buChar char="•"/>
-              <a:defRPr sz="1350" kern="1200">
-                <a:solidFill>
-                  <a:schemeClr val="tx1"/>
-                </a:solidFill>
-                <a:latin typeface="+mn-lt"/>
-                <a:ea typeface="+mn-ea"/>
-                <a:cs typeface="+mn-cs"/>
-              </a:defRPr>
-            </a:lvl9pPr>
-          </a:lstStyle>
-          <a:p>
-            <a:endParaRPr lang="en-US" dirty="0"/>
-          </a:p>
-        </p:txBody>
-      </p:sp>
-      <p:sp>
-        <p:nvSpPr>
-          <p:cNvPr id="13" name="Text Placeholder 19">
-            <a:extLst>
-              <a:ext uri="{FF2B5EF4-FFF2-40B4-BE49-F238E27FC236}">
-                <a16:creationId xmlns="" xmlns:a16="http://schemas.microsoft.com/office/drawing/2014/main" id="{8BA59212-9C54-4951-8C9E-2B22F20AF50E}"/>
-              </a:ext>
-            </a:extLst>
-          </p:cNvPr>
-          <p:cNvSpPr txBox="1">
-            <a:spLocks/>
-          </p:cNvSpPr>
-          <p:nvPr/>
-        </p:nvSpPr>
-        <p:spPr>
-          <a:xfrm>
-            <a:off x="2844800" y="2883107"/>
-            <a:ext cx="3860799" cy="1799110"/>
+            <a:off x="2896330" y="2392638"/>
+            <a:ext cx="3898900" cy="5399820"/>
           </a:xfrm>
           <a:prstGeom prst="rect">
             <a:avLst/>
@@ -2747,10 +2603,10 @@
       </p:sp>
       <p:sp>
         <p:nvSpPr>
-          <p:cNvPr id="15" name="Text Placeholder 19">
+          <p:cNvPr id="75" name="Text Placeholder 19">
             <a:extLst>
               <a:ext uri="{FF2B5EF4-FFF2-40B4-BE49-F238E27FC236}">
-                <a16:creationId xmlns="" xmlns:a16="http://schemas.microsoft.com/office/drawing/2014/main" id="{C3331DEF-944B-45DA-8929-DC31361FE60F}"/>
+                <a16:creationId xmlns:a16="http://schemas.microsoft.com/office/drawing/2014/main" xmlns="" id="{A3725F2D-3F20-47AB-B9A5-E5757F6FF86A}"/>
               </a:ext>
             </a:extLst>
           </p:cNvPr>
@@ -2761,410 +2617,8 @@
         </p:nvSpPr>
         <p:spPr>
           <a:xfrm>
-            <a:off x="2844800" y="3631101"/>
-            <a:ext cx="3860799" cy="1298331"/>
-          </a:xfrm>
-          <a:prstGeom prst="rect">
-            <a:avLst/>
-          </a:prstGeom>
-          <a:solidFill>
-            <a:schemeClr val="tx1">
-              <a:alpha val="50000"/>
-            </a:schemeClr>
-          </a:solidFill>
-        </p:spPr>
-        <p:txBody>
-          <a:bodyPr lIns="126000" tIns="0" rIns="54000" bIns="72000">
-            <a:noAutofit/>
-          </a:bodyPr>
-          <a:lstStyle>
-            <a:lvl1pPr marL="0" indent="0" algn="l" defTabSz="685800" rtl="0" eaLnBrk="1" latinLnBrk="0" hangingPunct="1">
-              <a:lnSpc>
-                <a:spcPct val="90000"/>
-              </a:lnSpc>
-              <a:spcBef>
-                <a:spcPts val="750"/>
-              </a:spcBef>
-              <a:buFont typeface="Arial" panose="020B0604020202020204" pitchFamily="34" charset="0"/>
-              <a:buNone/>
-              <a:defRPr sz="4100" kern="1200" spc="-150">
-                <a:solidFill>
-                  <a:schemeClr val="bg2"/>
-                </a:solidFill>
-                <a:latin typeface="+mj-lt"/>
-                <a:ea typeface="+mn-ea"/>
-                <a:cs typeface="+mn-cs"/>
-              </a:defRPr>
-            </a:lvl1pPr>
-            <a:lvl2pPr marL="514350" indent="-171450" algn="l" defTabSz="685800" rtl="0" eaLnBrk="1" latinLnBrk="0" hangingPunct="1">
-              <a:lnSpc>
-                <a:spcPct val="90000"/>
-              </a:lnSpc>
-              <a:spcBef>
-                <a:spcPts val="375"/>
-              </a:spcBef>
-              <a:buFont typeface="Arial" panose="020B0604020202020204" pitchFamily="34" charset="0"/>
-              <a:buChar char="•"/>
-              <a:defRPr sz="1800" kern="1200">
-                <a:solidFill>
-                  <a:schemeClr val="tx1"/>
-                </a:solidFill>
-                <a:latin typeface="+mn-lt"/>
-                <a:ea typeface="+mn-ea"/>
-                <a:cs typeface="+mn-cs"/>
-              </a:defRPr>
-            </a:lvl2pPr>
-            <a:lvl3pPr marL="857250" indent="-171450" algn="l" defTabSz="685800" rtl="0" eaLnBrk="1" latinLnBrk="0" hangingPunct="1">
-              <a:lnSpc>
-                <a:spcPct val="90000"/>
-              </a:lnSpc>
-              <a:spcBef>
-                <a:spcPts val="375"/>
-              </a:spcBef>
-              <a:buFont typeface="Arial" panose="020B0604020202020204" pitchFamily="34" charset="0"/>
-              <a:buChar char="•"/>
-              <a:defRPr sz="1500" kern="1200">
-                <a:solidFill>
-                  <a:schemeClr val="tx1"/>
-                </a:solidFill>
-                <a:latin typeface="+mn-lt"/>
-                <a:ea typeface="+mn-ea"/>
-                <a:cs typeface="+mn-cs"/>
-              </a:defRPr>
-            </a:lvl3pPr>
-            <a:lvl4pPr marL="1200150" indent="-171450" algn="l" defTabSz="685800" rtl="0" eaLnBrk="1" latinLnBrk="0" hangingPunct="1">
-              <a:lnSpc>
-                <a:spcPct val="90000"/>
-              </a:lnSpc>
-              <a:spcBef>
-                <a:spcPts val="375"/>
-              </a:spcBef>
-              <a:buFont typeface="Arial" panose="020B0604020202020204" pitchFamily="34" charset="0"/>
-              <a:buChar char="•"/>
-              <a:defRPr sz="1350" kern="1200">
-                <a:solidFill>
-                  <a:schemeClr val="tx1"/>
-                </a:solidFill>
-                <a:latin typeface="+mn-lt"/>
-                <a:ea typeface="+mn-ea"/>
-                <a:cs typeface="+mn-cs"/>
-              </a:defRPr>
-            </a:lvl4pPr>
-            <a:lvl5pPr marL="1543050" indent="-171450" algn="l" defTabSz="685800" rtl="0" eaLnBrk="1" latinLnBrk="0" hangingPunct="1">
-              <a:lnSpc>
-                <a:spcPct val="90000"/>
-              </a:lnSpc>
-              <a:spcBef>
-                <a:spcPts val="375"/>
-              </a:spcBef>
-              <a:buFont typeface="Arial" panose="020B0604020202020204" pitchFamily="34" charset="0"/>
-              <a:buChar char="•"/>
-              <a:defRPr sz="1350" kern="1200">
-                <a:solidFill>
-                  <a:schemeClr val="tx1"/>
-                </a:solidFill>
-                <a:latin typeface="+mn-lt"/>
-                <a:ea typeface="+mn-ea"/>
-                <a:cs typeface="+mn-cs"/>
-              </a:defRPr>
-            </a:lvl5pPr>
-            <a:lvl6pPr marL="1885950" indent="-171450" algn="l" defTabSz="685800" rtl="0" eaLnBrk="1" latinLnBrk="0" hangingPunct="1">
-              <a:lnSpc>
-                <a:spcPct val="90000"/>
-              </a:lnSpc>
-              <a:spcBef>
-                <a:spcPts val="375"/>
-              </a:spcBef>
-              <a:buFont typeface="Arial" panose="020B0604020202020204" pitchFamily="34" charset="0"/>
-              <a:buChar char="•"/>
-              <a:defRPr sz="1350" kern="1200">
-                <a:solidFill>
-                  <a:schemeClr val="tx1"/>
-                </a:solidFill>
-                <a:latin typeface="+mn-lt"/>
-                <a:ea typeface="+mn-ea"/>
-                <a:cs typeface="+mn-cs"/>
-              </a:defRPr>
-            </a:lvl6pPr>
-            <a:lvl7pPr marL="2228850" indent="-171450" algn="l" defTabSz="685800" rtl="0" eaLnBrk="1" latinLnBrk="0" hangingPunct="1">
-              <a:lnSpc>
-                <a:spcPct val="90000"/>
-              </a:lnSpc>
-              <a:spcBef>
-                <a:spcPts val="375"/>
-              </a:spcBef>
-              <a:buFont typeface="Arial" panose="020B0604020202020204" pitchFamily="34" charset="0"/>
-              <a:buChar char="•"/>
-              <a:defRPr sz="1350" kern="1200">
-                <a:solidFill>
-                  <a:schemeClr val="tx1"/>
-                </a:solidFill>
-                <a:latin typeface="+mn-lt"/>
-                <a:ea typeface="+mn-ea"/>
-                <a:cs typeface="+mn-cs"/>
-              </a:defRPr>
-            </a:lvl7pPr>
-            <a:lvl8pPr marL="2571750" indent="-171450" algn="l" defTabSz="685800" rtl="0" eaLnBrk="1" latinLnBrk="0" hangingPunct="1">
-              <a:lnSpc>
-                <a:spcPct val="90000"/>
-              </a:lnSpc>
-              <a:spcBef>
-                <a:spcPts val="375"/>
-              </a:spcBef>
-              <a:buFont typeface="Arial" panose="020B0604020202020204" pitchFamily="34" charset="0"/>
-              <a:buChar char="•"/>
-              <a:defRPr sz="1350" kern="1200">
-                <a:solidFill>
-                  <a:schemeClr val="tx1"/>
-                </a:solidFill>
-                <a:latin typeface="+mn-lt"/>
-                <a:ea typeface="+mn-ea"/>
-                <a:cs typeface="+mn-cs"/>
-              </a:defRPr>
-            </a:lvl8pPr>
-            <a:lvl9pPr marL="2914650" indent="-171450" algn="l" defTabSz="685800" rtl="0" eaLnBrk="1" latinLnBrk="0" hangingPunct="1">
-              <a:lnSpc>
-                <a:spcPct val="90000"/>
-              </a:lnSpc>
-              <a:spcBef>
-                <a:spcPts val="375"/>
-              </a:spcBef>
-              <a:buFont typeface="Arial" panose="020B0604020202020204" pitchFamily="34" charset="0"/>
-              <a:buChar char="•"/>
-              <a:defRPr sz="1350" kern="1200">
-                <a:solidFill>
-                  <a:schemeClr val="tx1"/>
-                </a:solidFill>
-                <a:latin typeface="+mn-lt"/>
-                <a:ea typeface="+mn-ea"/>
-                <a:cs typeface="+mn-cs"/>
-              </a:defRPr>
-            </a:lvl9pPr>
-          </a:lstStyle>
-          <a:p>
-            <a:endParaRPr lang="en-US" dirty="0"/>
-          </a:p>
-        </p:txBody>
-      </p:sp>
-      <p:sp>
-        <p:nvSpPr>
-          <p:cNvPr id="14" name="Text Placeholder 19">
-            <a:extLst>
-              <a:ext uri="{FF2B5EF4-FFF2-40B4-BE49-F238E27FC236}">
-                <a16:creationId xmlns="" xmlns:a16="http://schemas.microsoft.com/office/drawing/2014/main" id="{2B5F14DE-7D1A-461C-95A5-3E218CC452D4}"/>
-              </a:ext>
-            </a:extLst>
-          </p:cNvPr>
-          <p:cNvSpPr txBox="1">
-            <a:spLocks/>
-          </p:cNvSpPr>
-          <p:nvPr/>
-        </p:nvSpPr>
-        <p:spPr>
-          <a:xfrm>
-            <a:off x="2844800" y="4170895"/>
-            <a:ext cx="3898900" cy="3373833"/>
-          </a:xfrm>
-          <a:prstGeom prst="rect">
-            <a:avLst/>
-          </a:prstGeom>
-          <a:solidFill>
-            <a:schemeClr val="tx1">
-              <a:alpha val="50000"/>
-            </a:schemeClr>
-          </a:solidFill>
-        </p:spPr>
-        <p:txBody>
-          <a:bodyPr lIns="126000" tIns="18000" rIns="54000" bIns="72000">
-            <a:normAutofit/>
-          </a:bodyPr>
-          <a:lstStyle>
-            <a:lvl1pPr marL="0" indent="0" algn="l" defTabSz="685800" rtl="0" eaLnBrk="1" latinLnBrk="0" hangingPunct="1">
-              <a:lnSpc>
-                <a:spcPct val="90000"/>
-              </a:lnSpc>
-              <a:spcBef>
-                <a:spcPts val="750"/>
-              </a:spcBef>
-              <a:buFont typeface="Arial" panose="020B0604020202020204" pitchFamily="34" charset="0"/>
-              <a:buNone/>
-              <a:defRPr sz="950" kern="1200">
-                <a:solidFill>
-                  <a:schemeClr val="bg1"/>
-                </a:solidFill>
-                <a:latin typeface="+mn-lt"/>
-                <a:ea typeface="+mn-ea"/>
-                <a:cs typeface="+mn-cs"/>
-              </a:defRPr>
-            </a:lvl1pPr>
-            <a:lvl2pPr marL="514350" indent="-171450" algn="l" defTabSz="685800" rtl="0" eaLnBrk="1" latinLnBrk="0" hangingPunct="1">
-              <a:lnSpc>
-                <a:spcPct val="90000"/>
-              </a:lnSpc>
-              <a:spcBef>
-                <a:spcPts val="375"/>
-              </a:spcBef>
-              <a:buFont typeface="Arial" panose="020B0604020202020204" pitchFamily="34" charset="0"/>
-              <a:buChar char="•"/>
-              <a:defRPr sz="1800" kern="1200">
-                <a:solidFill>
-                  <a:schemeClr val="tx1"/>
-                </a:solidFill>
-                <a:latin typeface="+mn-lt"/>
-                <a:ea typeface="+mn-ea"/>
-                <a:cs typeface="+mn-cs"/>
-              </a:defRPr>
-            </a:lvl2pPr>
-            <a:lvl3pPr marL="857250" indent="-171450" algn="l" defTabSz="685800" rtl="0" eaLnBrk="1" latinLnBrk="0" hangingPunct="1">
-              <a:lnSpc>
-                <a:spcPct val="90000"/>
-              </a:lnSpc>
-              <a:spcBef>
-                <a:spcPts val="375"/>
-              </a:spcBef>
-              <a:buFont typeface="Arial" panose="020B0604020202020204" pitchFamily="34" charset="0"/>
-              <a:buChar char="•"/>
-              <a:defRPr sz="1500" kern="1200">
-                <a:solidFill>
-                  <a:schemeClr val="tx1"/>
-                </a:solidFill>
-                <a:latin typeface="+mn-lt"/>
-                <a:ea typeface="+mn-ea"/>
-                <a:cs typeface="+mn-cs"/>
-              </a:defRPr>
-            </a:lvl3pPr>
-            <a:lvl4pPr marL="1200150" indent="-171450" algn="l" defTabSz="685800" rtl="0" eaLnBrk="1" latinLnBrk="0" hangingPunct="1">
-              <a:lnSpc>
-                <a:spcPct val="90000"/>
-              </a:lnSpc>
-              <a:spcBef>
-                <a:spcPts val="375"/>
-              </a:spcBef>
-              <a:buFont typeface="Arial" panose="020B0604020202020204" pitchFamily="34" charset="0"/>
-              <a:buChar char="•"/>
-              <a:defRPr sz="1350" kern="1200">
-                <a:solidFill>
-                  <a:schemeClr val="tx1"/>
-                </a:solidFill>
-                <a:latin typeface="+mn-lt"/>
-                <a:ea typeface="+mn-ea"/>
-                <a:cs typeface="+mn-cs"/>
-              </a:defRPr>
-            </a:lvl4pPr>
-            <a:lvl5pPr marL="1543050" indent="-171450" algn="l" defTabSz="685800" rtl="0" eaLnBrk="1" latinLnBrk="0" hangingPunct="1">
-              <a:lnSpc>
-                <a:spcPct val="90000"/>
-              </a:lnSpc>
-              <a:spcBef>
-                <a:spcPts val="375"/>
-              </a:spcBef>
-              <a:buFont typeface="Arial" panose="020B0604020202020204" pitchFamily="34" charset="0"/>
-              <a:buChar char="•"/>
-              <a:defRPr sz="1350" kern="1200">
-                <a:solidFill>
-                  <a:schemeClr val="tx1"/>
-                </a:solidFill>
-                <a:latin typeface="+mn-lt"/>
-                <a:ea typeface="+mn-ea"/>
-                <a:cs typeface="+mn-cs"/>
-              </a:defRPr>
-            </a:lvl5pPr>
-            <a:lvl6pPr marL="1885950" indent="-171450" algn="l" defTabSz="685800" rtl="0" eaLnBrk="1" latinLnBrk="0" hangingPunct="1">
-              <a:lnSpc>
-                <a:spcPct val="90000"/>
-              </a:lnSpc>
-              <a:spcBef>
-                <a:spcPts val="375"/>
-              </a:spcBef>
-              <a:buFont typeface="Arial" panose="020B0604020202020204" pitchFamily="34" charset="0"/>
-              <a:buChar char="•"/>
-              <a:defRPr sz="1350" kern="1200">
-                <a:solidFill>
-                  <a:schemeClr val="tx1"/>
-                </a:solidFill>
-                <a:latin typeface="+mn-lt"/>
-                <a:ea typeface="+mn-ea"/>
-                <a:cs typeface="+mn-cs"/>
-              </a:defRPr>
-            </a:lvl6pPr>
-            <a:lvl7pPr marL="2228850" indent="-171450" algn="l" defTabSz="685800" rtl="0" eaLnBrk="1" latinLnBrk="0" hangingPunct="1">
-              <a:lnSpc>
-                <a:spcPct val="90000"/>
-              </a:lnSpc>
-              <a:spcBef>
-                <a:spcPts val="375"/>
-              </a:spcBef>
-              <a:buFont typeface="Arial" panose="020B0604020202020204" pitchFamily="34" charset="0"/>
-              <a:buChar char="•"/>
-              <a:defRPr sz="1350" kern="1200">
-                <a:solidFill>
-                  <a:schemeClr val="tx1"/>
-                </a:solidFill>
-                <a:latin typeface="+mn-lt"/>
-                <a:ea typeface="+mn-ea"/>
-                <a:cs typeface="+mn-cs"/>
-              </a:defRPr>
-            </a:lvl7pPr>
-            <a:lvl8pPr marL="2571750" indent="-171450" algn="l" defTabSz="685800" rtl="0" eaLnBrk="1" latinLnBrk="0" hangingPunct="1">
-              <a:lnSpc>
-                <a:spcPct val="90000"/>
-              </a:lnSpc>
-              <a:spcBef>
-                <a:spcPts val="375"/>
-              </a:spcBef>
-              <a:buFont typeface="Arial" panose="020B0604020202020204" pitchFamily="34" charset="0"/>
-              <a:buChar char="•"/>
-              <a:defRPr sz="1350" kern="1200">
-                <a:solidFill>
-                  <a:schemeClr val="tx1"/>
-                </a:solidFill>
-                <a:latin typeface="+mn-lt"/>
-                <a:ea typeface="+mn-ea"/>
-                <a:cs typeface="+mn-cs"/>
-              </a:defRPr>
-            </a:lvl8pPr>
-            <a:lvl9pPr marL="2914650" indent="-171450" algn="l" defTabSz="685800" rtl="0" eaLnBrk="1" latinLnBrk="0" hangingPunct="1">
-              <a:lnSpc>
-                <a:spcPct val="90000"/>
-              </a:lnSpc>
-              <a:spcBef>
-                <a:spcPts val="375"/>
-              </a:spcBef>
-              <a:buFont typeface="Arial" panose="020B0604020202020204" pitchFamily="34" charset="0"/>
-              <a:buChar char="•"/>
-              <a:defRPr sz="1350" kern="1200">
-                <a:solidFill>
-                  <a:schemeClr val="tx1"/>
-                </a:solidFill>
-                <a:latin typeface="+mn-lt"/>
-                <a:ea typeface="+mn-ea"/>
-                <a:cs typeface="+mn-cs"/>
-              </a:defRPr>
-            </a:lvl9pPr>
-          </a:lstStyle>
-          <a:p>
-            <a:endParaRPr lang="en-US" dirty="0"/>
-          </a:p>
-        </p:txBody>
-      </p:sp>
-      <p:sp>
-        <p:nvSpPr>
-          <p:cNvPr id="75" name="Text Placeholder 19">
-            <a:extLst>
-              <a:ext uri="{FF2B5EF4-FFF2-40B4-BE49-F238E27FC236}">
-                <a16:creationId xmlns="" xmlns:a16="http://schemas.microsoft.com/office/drawing/2014/main" id="{A3725F2D-3F20-47AB-B9A5-E5757F6FF86A}"/>
-              </a:ext>
-            </a:extLst>
-          </p:cNvPr>
-          <p:cNvSpPr txBox="1">
-            <a:spLocks/>
-          </p:cNvSpPr>
-          <p:nvPr/>
-        </p:nvSpPr>
-        <p:spPr>
-          <a:xfrm>
-            <a:off x="108240" y="2224482"/>
-            <a:ext cx="2114550" cy="245668"/>
+            <a:off x="448789" y="2146970"/>
+            <a:ext cx="1922318" cy="245668"/>
           </a:xfrm>
           <a:prstGeom prst="rect">
             <a:avLst/>
@@ -3354,7 +2808,7 @@
           <p:cNvPr id="77" name="Text Placeholder 19">
             <a:extLst>
               <a:ext uri="{FF2B5EF4-FFF2-40B4-BE49-F238E27FC236}">
-                <a16:creationId xmlns="" xmlns:a16="http://schemas.microsoft.com/office/drawing/2014/main" id="{6BE59FCF-FFED-4A34-AAEC-8C22F983D227}"/>
+                <a16:creationId xmlns:a16="http://schemas.microsoft.com/office/drawing/2014/main" xmlns="" id="{6BE59FCF-FFED-4A34-AAEC-8C22F983D227}"/>
               </a:ext>
             </a:extLst>
           </p:cNvPr>
@@ -3365,7 +2819,7 @@
         </p:nvSpPr>
         <p:spPr>
           <a:xfrm>
-            <a:off x="3736332" y="7791943"/>
+            <a:off x="3736332" y="7885078"/>
             <a:ext cx="1957582" cy="594704"/>
           </a:xfrm>
           <a:prstGeom prst="rect">
@@ -3560,7 +3014,7 @@
           <p:cNvPr id="79" name="Text Placeholder 19">
             <a:extLst>
               <a:ext uri="{FF2B5EF4-FFF2-40B4-BE49-F238E27FC236}">
-                <a16:creationId xmlns="" xmlns:a16="http://schemas.microsoft.com/office/drawing/2014/main" id="{6ED694E5-AE6C-41B5-B6A8-CDF7585D6174}"/>
+                <a16:creationId xmlns:a16="http://schemas.microsoft.com/office/drawing/2014/main" xmlns="" id="{6ED694E5-AE6C-41B5-B6A8-CDF7585D6174}"/>
               </a:ext>
             </a:extLst>
           </p:cNvPr>
@@ -3754,11 +3208,11 @@
             <a:pPr algn="just"/>
             <a:r>
               <a:rPr lang="en-US" dirty="0" smtClean="0"/>
-              <a:t>Overall the accuracy of the model </a:t>
-            </a:r>
-            <a:r>
-              <a:rPr lang="en-US" dirty="0"/>
-              <a:t> </a:t>
+              <a:t>Overall the accuracy of the </a:t>
+            </a:r>
+            <a:r>
+              <a:rPr lang="en-US" dirty="0" smtClean="0"/>
+              <a:t>model </a:t>
             </a:r>
             <a:r>
               <a:rPr lang="en-US" dirty="0" smtClean="0"/>
@@ -3770,15 +3224,71 @@
             </a:r>
             <a:r>
               <a:rPr lang="en-US" dirty="0" smtClean="0"/>
-              <a:t>ideal, to improve on the model it will requires better and more labeled data. </a:t>
-            </a:r>
-            <a:r>
-              <a:rPr lang="en-US" dirty="0"/>
-              <a:t>S</a:t>
+              <a:t>ideal</a:t>
             </a:r>
             <a:r>
               <a:rPr lang="en-US" dirty="0" smtClean="0"/>
-              <a:t>anitizes the data before feeding into the model reduce the noise. The model it self seem having trouble classify between depression and suicide posts due </a:t>
+              <a:t>, but may still be high enough to be useful when analyzed by a therapist. To </a:t>
+            </a:r>
+            <a:r>
+              <a:rPr lang="en-US" dirty="0" smtClean="0"/>
+              <a:t>improve </a:t>
+            </a:r>
+            <a:r>
+              <a:rPr lang="en-US" dirty="0" smtClean="0"/>
+              <a:t>the </a:t>
+            </a:r>
+            <a:r>
+              <a:rPr lang="en-US" dirty="0" smtClean="0"/>
+              <a:t>model </a:t>
+            </a:r>
+            <a:r>
+              <a:rPr lang="en-US" dirty="0" smtClean="0"/>
+              <a:t>will require </a:t>
+            </a:r>
+            <a:r>
+              <a:rPr lang="en-US" dirty="0" smtClean="0"/>
+              <a:t>better and more labeled </a:t>
+            </a:r>
+            <a:r>
+              <a:rPr lang="en-US" dirty="0" smtClean="0"/>
+              <a:t>data, and to sanitize </a:t>
+            </a:r>
+            <a:r>
+              <a:rPr lang="en-US" dirty="0" smtClean="0"/>
+              <a:t>the data before feeding into the model reduce </a:t>
+            </a:r>
+            <a:r>
+              <a:rPr lang="en-US" dirty="0" smtClean="0"/>
+              <a:t>noise</a:t>
+            </a:r>
+            <a:r>
+              <a:rPr lang="en-US" dirty="0" smtClean="0"/>
+              <a:t>. The model </a:t>
+            </a:r>
+            <a:r>
+              <a:rPr lang="en-US" dirty="0" smtClean="0"/>
+              <a:t>itself seems to be  </a:t>
+            </a:r>
+            <a:r>
+              <a:rPr lang="en-US" dirty="0" smtClean="0"/>
+              <a:t>having trouble </a:t>
+            </a:r>
+            <a:r>
+              <a:rPr lang="en-US" dirty="0" smtClean="0"/>
+              <a:t>classifying </a:t>
+            </a:r>
+            <a:r>
+              <a:rPr lang="en-US" dirty="0" smtClean="0"/>
+              <a:t>between depression and </a:t>
+            </a:r>
+            <a:r>
+              <a:rPr lang="en-US" dirty="0" smtClean="0"/>
+              <a:t>suicidal </a:t>
+            </a:r>
+            <a:r>
+              <a:rPr lang="en-US" dirty="0" smtClean="0"/>
+              <a:t>posts due </a:t>
             </a:r>
             <a:r>
               <a:rPr lang="en-US" dirty="0"/>
@@ -3786,7 +3296,11 @@
             </a:r>
             <a:r>
               <a:rPr lang="en-US" dirty="0" smtClean="0"/>
-              <a:t>similarity of  contents.</a:t>
+              <a:t>similarity of  contents</a:t>
+            </a:r>
+            <a:r>
+              <a:rPr lang="en-US" dirty="0" smtClean="0"/>
+              <a:t>. Improving these data sets may aid in classification.</a:t>
             </a:r>
             <a:endParaRPr lang="en-US" dirty="0"/>
           </a:p>
@@ -3797,7 +3311,7 @@
           <p:cNvPr id="80" name="Text Placeholder 19">
             <a:extLst>
               <a:ext uri="{FF2B5EF4-FFF2-40B4-BE49-F238E27FC236}">
-                <a16:creationId xmlns="" xmlns:a16="http://schemas.microsoft.com/office/drawing/2014/main" id="{393A3EB8-3EBA-4BA7-997A-376D9150E903}"/>
+                <a16:creationId xmlns:a16="http://schemas.microsoft.com/office/drawing/2014/main" xmlns="" id="{393A3EB8-3EBA-4BA7-997A-376D9150E903}"/>
               </a:ext>
             </a:extLst>
           </p:cNvPr>
@@ -3989,14 +3503,38 @@
           </a:lstStyle>
           <a:p>
             <a:r>
-              <a:rPr lang="en-US" smtClean="0"/>
-              <a:t>First scrape labled data  from  reddit , use python to lablel and organizes the data and parses into to panda.</a:t>
-            </a:r>
-            <a:endParaRPr lang="en-US"/>
+              <a:rPr lang="en-US" dirty="0" smtClean="0"/>
+              <a:t>First scrape </a:t>
+            </a:r>
+            <a:r>
+              <a:rPr lang="en-US" dirty="0" smtClean="0"/>
+              <a:t>labeled data from </a:t>
+            </a:r>
+            <a:r>
+              <a:rPr lang="en-US" dirty="0" err="1" smtClean="0"/>
+              <a:t>reddit</a:t>
+            </a:r>
+            <a:r>
+              <a:rPr lang="en-US" dirty="0" smtClean="0"/>
+              <a:t>, </a:t>
+            </a:r>
+            <a:r>
+              <a:rPr lang="en-US" dirty="0" smtClean="0"/>
+              <a:t>use python to </a:t>
+            </a:r>
+            <a:r>
+              <a:rPr lang="en-US" dirty="0" smtClean="0"/>
+              <a:t>label the data and organize and visualize with </a:t>
+            </a:r>
+            <a:r>
+              <a:rPr lang="en-US" dirty="0" smtClean="0"/>
+              <a:t>panda.</a:t>
+            </a:r>
+            <a:endParaRPr lang="en-US" dirty="0"/>
           </a:p>
           <a:p>
             <a:r>
-              <a:rPr lang="en-US" smtClean="0"/>
+              <a:rPr lang="en-US" dirty="0" smtClean="0"/>
               <a:t>Split the data set into:</a:t>
             </a:r>
           </a:p>
@@ -4006,9 +3544,14 @@
               <a:buChar char="•"/>
             </a:pPr>
             <a:r>
-              <a:rPr lang="en-US" smtClean="0"/>
-              <a:t>2/3 tranning </a:t>
-            </a:r>
+              <a:rPr lang="en-US" dirty="0" smtClean="0"/>
+              <a:t>2/3 </a:t>
+            </a:r>
+            <a:r>
+              <a:rPr lang="en-US" dirty="0" smtClean="0"/>
+              <a:t>training </a:t>
+            </a:r>
+            <a:endParaRPr lang="en-US" dirty="0" smtClean="0"/>
           </a:p>
           <a:p>
             <a:pPr marL="171450" indent="-171450">
@@ -4016,15 +3559,36 @@
               <a:buChar char="•"/>
             </a:pPr>
             <a:r>
-              <a:rPr lang="en-US" smtClean="0"/>
+              <a:rPr lang="en-US" dirty="0" smtClean="0"/>
               <a:t>1/3 validation </a:t>
             </a:r>
           </a:p>
           <a:p>
             <a:r>
-              <a:rPr lang="en-US" smtClean="0"/>
-              <a:t>Finally feed training data into the  LSTM model and use the validation data set to validate.  </a:t>
-            </a:r>
+              <a:rPr lang="en-US" dirty="0" smtClean="0"/>
+              <a:t>Finally feed training data into the </a:t>
+            </a:r>
+            <a:r>
+              <a:rPr lang="en-US" dirty="0" smtClean="0"/>
+              <a:t>RNN (LSTM) model </a:t>
+            </a:r>
+            <a:r>
+              <a:rPr lang="en-US" dirty="0" smtClean="0"/>
+              <a:t>and use the validation data set to </a:t>
+            </a:r>
+            <a:r>
+              <a:rPr lang="en-US" dirty="0" smtClean="0"/>
+              <a:t>access </a:t>
+            </a:r>
+            <a:r>
+              <a:rPr lang="en-US" dirty="0" err="1" smtClean="0"/>
+              <a:t>accuract</a:t>
+            </a:r>
+            <a:r>
+              <a:rPr lang="en-US" dirty="0" smtClean="0"/>
+              <a:t>.  </a:t>
+            </a:r>
+            <a:endParaRPr lang="en-US" dirty="0" smtClean="0"/>
           </a:p>
         </p:txBody>
       </p:sp>
@@ -4033,7 +3597,7 @@
           <p:cNvPr id="81" name="Text Placeholder 19">
             <a:extLst>
               <a:ext uri="{FF2B5EF4-FFF2-40B4-BE49-F238E27FC236}">
-                <a16:creationId xmlns="" xmlns:a16="http://schemas.microsoft.com/office/drawing/2014/main" id="{A3725F2D-3F20-47AB-B9A5-E5757F6FF86A}"/>
+                <a16:creationId xmlns:a16="http://schemas.microsoft.com/office/drawing/2014/main" xmlns="" id="{A3725F2D-3F20-47AB-B9A5-E5757F6FF86A}"/>
               </a:ext>
             </a:extLst>
           </p:cNvPr>
@@ -4224,7 +3788,7 @@
             <a:pPr algn="ctr"/>
             <a:r>
               <a:rPr lang="en-US" sz="1500" b="1" dirty="0" smtClean="0"/>
-              <a:t>METHODS</a:t>
+              <a:t>METHODOLOGY</a:t>
             </a:r>
             <a:endParaRPr lang="en-US" sz="1500" b="1" dirty="0"/>
           </a:p>
@@ -4235,7 +3799,7 @@
           <p:cNvPr id="82" name="Text Placeholder 19">
             <a:extLst>
               <a:ext uri="{FF2B5EF4-FFF2-40B4-BE49-F238E27FC236}">
-                <a16:creationId xmlns="" xmlns:a16="http://schemas.microsoft.com/office/drawing/2014/main" id="{A3725F2D-3F20-47AB-B9A5-E5757F6FF86A}"/>
+                <a16:creationId xmlns:a16="http://schemas.microsoft.com/office/drawing/2014/main" xmlns="" id="{A3725F2D-3F20-47AB-B9A5-E5757F6FF86A}"/>
               </a:ext>
             </a:extLst>
           </p:cNvPr>
@@ -4246,7 +3810,7 @@
         </p:nvSpPr>
         <p:spPr>
           <a:xfrm>
-            <a:off x="3657848" y="2159458"/>
+            <a:off x="3734051" y="2159458"/>
             <a:ext cx="2114550" cy="245668"/>
           </a:xfrm>
           <a:prstGeom prst="rect">
@@ -4437,7 +4001,7 @@
           <p:cNvPr id="83" name="Text Placeholder 19">
             <a:extLst>
               <a:ext uri="{FF2B5EF4-FFF2-40B4-BE49-F238E27FC236}">
-                <a16:creationId xmlns="" xmlns:a16="http://schemas.microsoft.com/office/drawing/2014/main" id="{6ED694E5-AE6C-41B5-B6A8-CDF7585D6174}"/>
+                <a16:creationId xmlns:a16="http://schemas.microsoft.com/office/drawing/2014/main" xmlns="" id="{6ED694E5-AE6C-41B5-B6A8-CDF7585D6174}"/>
               </a:ext>
             </a:extLst>
           </p:cNvPr>
@@ -4758,7 +4322,7 @@
           <p:cNvPr id="84" name="Text Placeholder 19">
             <a:extLst>
               <a:ext uri="{FF2B5EF4-FFF2-40B4-BE49-F238E27FC236}">
-                <a16:creationId xmlns="" xmlns:a16="http://schemas.microsoft.com/office/drawing/2014/main" id="{6BE59FCF-FFED-4A34-AAEC-8C22F983D227}"/>
+                <a16:creationId xmlns:a16="http://schemas.microsoft.com/office/drawing/2014/main" xmlns="" id="{6BE59FCF-FFED-4A34-AAEC-8C22F983D227}"/>
               </a:ext>
             </a:extLst>
           </p:cNvPr>
@@ -4769,7 +4333,7 @@
         </p:nvSpPr>
         <p:spPr>
           <a:xfrm>
-            <a:off x="265207" y="7396917"/>
+            <a:off x="265207" y="7506988"/>
             <a:ext cx="2191429" cy="265154"/>
           </a:xfrm>
           <a:prstGeom prst="rect">
@@ -4960,7 +4524,7 @@
           <p:cNvPr id="85" name="Text Placeholder 19">
             <a:extLst>
               <a:ext uri="{FF2B5EF4-FFF2-40B4-BE49-F238E27FC236}">
-                <a16:creationId xmlns="" xmlns:a16="http://schemas.microsoft.com/office/drawing/2014/main" id="{6ED694E5-AE6C-41B5-B6A8-CDF7585D6174}"/>
+                <a16:creationId xmlns:a16="http://schemas.microsoft.com/office/drawing/2014/main" xmlns="" id="{6ED694E5-AE6C-41B5-B6A8-CDF7585D6174}"/>
               </a:ext>
             </a:extLst>
           </p:cNvPr>
@@ -5211,13 +4775,8 @@
             </a:pPr>
             <a:r>
               <a:rPr lang="en-US" dirty="0" smtClean="0"/>
-              <a:t>Testing on</a:t>
-            </a:r>
-            <a:r>
-              <a:rPr lang="en-US" dirty="0" smtClean="0"/>
-              <a:t> different activation functions </a:t>
-            </a:r>
-            <a:endParaRPr lang="en-US" dirty="0" smtClean="0"/>
+              <a:t>Testing on different activation functions </a:t>
+            </a:r>
           </a:p>
           <a:p>
             <a:pPr algn="just">
@@ -5254,7 +4813,7 @@
         </p:blipFill>
         <p:spPr>
           <a:xfrm>
-            <a:off x="3007050" y="2692209"/>
+            <a:off x="3007050" y="2494892"/>
             <a:ext cx="1623600" cy="1169543"/>
           </a:xfrm>
           <a:prstGeom prst="rect">
@@ -5284,7 +4843,7 @@
         </p:blipFill>
         <p:spPr>
           <a:xfrm>
-            <a:off x="4955594" y="2683153"/>
+            <a:off x="4955594" y="2501076"/>
             <a:ext cx="1674748" cy="1185547"/>
           </a:xfrm>
           <a:prstGeom prst="rect">
@@ -5302,6 +4861,13 @@
         </p:nvPicPr>
         <p:blipFill>
           <a:blip r:embed="rId4">
+            <a:duotone>
+              <a:schemeClr val="bg2">
+                <a:shade val="45000"/>
+                <a:satMod val="135000"/>
+              </a:schemeClr>
+              <a:prstClr val="white"/>
+            </a:duotone>
             <a:extLst>
               <a:ext uri="{28A0092B-C50C-407E-A947-70E740481C1C}">
                 <a14:useLocalDpi xmlns:a14="http://schemas.microsoft.com/office/drawing/2010/main" val="0"/>
@@ -5314,7 +4880,7 @@
         </p:blipFill>
         <p:spPr>
           <a:xfrm>
-            <a:off x="3003282" y="3939411"/>
+            <a:off x="3044995" y="4887790"/>
             <a:ext cx="1668761" cy="834381"/>
           </a:xfrm>
           <a:prstGeom prst="rect">
@@ -5332,6 +4898,13 @@
         </p:nvPicPr>
         <p:blipFill>
           <a:blip r:embed="rId5">
+            <a:duotone>
+              <a:schemeClr val="accent2">
+                <a:shade val="45000"/>
+                <a:satMod val="135000"/>
+              </a:schemeClr>
+              <a:prstClr val="white"/>
+            </a:duotone>
             <a:extLst>
               <a:ext uri="{28A0092B-C50C-407E-A947-70E740481C1C}">
                 <a14:useLocalDpi xmlns:a14="http://schemas.microsoft.com/office/drawing/2010/main" val="0"/>
@@ -5344,7 +4917,7 @@
         </p:blipFill>
         <p:spPr>
           <a:xfrm>
-            <a:off x="4959942" y="3944131"/>
+            <a:off x="4959942" y="3893329"/>
             <a:ext cx="1670400" cy="835200"/>
           </a:xfrm>
           <a:prstGeom prst="rect">
@@ -5362,6 +4935,13 @@
         </p:nvPicPr>
         <p:blipFill>
           <a:blip r:embed="rId6">
+            <a:duotone>
+              <a:schemeClr val="accent1">
+                <a:shade val="45000"/>
+                <a:satMod val="135000"/>
+              </a:schemeClr>
+              <a:prstClr val="white"/>
+            </a:duotone>
             <a:extLst>
               <a:ext uri="{28A0092B-C50C-407E-A947-70E740481C1C}">
                 <a14:useLocalDpi xmlns:a14="http://schemas.microsoft.com/office/drawing/2010/main" val="0"/>
@@ -5374,7 +4954,7 @@
         </p:blipFill>
         <p:spPr>
           <a:xfrm>
-            <a:off x="3001644" y="4854678"/>
+            <a:off x="3044724" y="3901171"/>
             <a:ext cx="1670399" cy="835200"/>
           </a:xfrm>
           <a:prstGeom prst="rect">
@@ -5392,6 +4972,13 @@
         </p:nvPicPr>
         <p:blipFill>
           <a:blip r:embed="rId7">
+            <a:duotone>
+              <a:schemeClr val="accent4">
+                <a:shade val="45000"/>
+                <a:satMod val="135000"/>
+              </a:schemeClr>
+              <a:prstClr val="white"/>
+            </a:duotone>
             <a:extLst>
               <a:ext uri="{28A0092B-C50C-407E-A947-70E740481C1C}">
                 <a14:useLocalDpi xmlns:a14="http://schemas.microsoft.com/office/drawing/2010/main" val="0"/>
@@ -5404,7 +4991,7 @@
         </p:blipFill>
         <p:spPr>
           <a:xfrm>
-            <a:off x="4959943" y="4848193"/>
+            <a:off x="4959943" y="4904071"/>
             <a:ext cx="1670399" cy="835200"/>
           </a:xfrm>
           <a:prstGeom prst="rect">
@@ -5434,8 +5021,8 @@
         </p:blipFill>
         <p:spPr>
           <a:xfrm>
-            <a:off x="3736333" y="7044726"/>
-            <a:ext cx="1957582" cy="448086"/>
+            <a:off x="3898593" y="7365246"/>
+            <a:ext cx="1894375" cy="292086"/>
           </a:xfrm>
           <a:prstGeom prst="rect">
             <a:avLst/>
@@ -5464,7 +5051,7 @@
         </p:blipFill>
         <p:spPr>
           <a:xfrm>
-            <a:off x="3565490" y="5765321"/>
+            <a:off x="3562566" y="5952868"/>
             <a:ext cx="2457520" cy="1108350"/>
           </a:xfrm>
           <a:prstGeom prst="rect">
@@ -5472,6 +5059,117 @@
           </a:prstGeom>
         </p:spPr>
       </p:pic>
+      <p:sp>
+        <p:nvSpPr>
+          <p:cNvPr id="2" name="Rectangle 1"/>
+          <p:cNvSpPr/>
+          <p:nvPr/>
+        </p:nvSpPr>
+        <p:spPr>
+          <a:xfrm>
+            <a:off x="3777447" y="3683420"/>
+            <a:ext cx="2026517" cy="215444"/>
+          </a:xfrm>
+          <a:prstGeom prst="rect">
+            <a:avLst/>
+          </a:prstGeom>
+        </p:spPr>
+        <p:txBody>
+          <a:bodyPr wrap="none">
+            <a:spAutoFit/>
+          </a:bodyPr>
+          <a:lstStyle/>
+          <a:p>
+            <a:r>
+              <a:rPr lang="en-US" sz="800" b="1" dirty="0" smtClean="0">
+                <a:solidFill>
+                  <a:srgbClr val="F2B800"/>
+                </a:solidFill>
+              </a:rPr>
+              <a:t>Word Clouds for the Four Different Categories</a:t>
+            </a:r>
+            <a:endParaRPr lang="en-CA" sz="800" b="1" dirty="0">
+              <a:solidFill>
+                <a:srgbClr val="F2B800"/>
+              </a:solidFill>
+            </a:endParaRPr>
+          </a:p>
+        </p:txBody>
+      </p:sp>
+      <p:sp>
+        <p:nvSpPr>
+          <p:cNvPr id="29" name="Rectangle 28"/>
+          <p:cNvSpPr/>
+          <p:nvPr/>
+        </p:nvSpPr>
+        <p:spPr>
+          <a:xfrm>
+            <a:off x="4357456" y="5743172"/>
+            <a:ext cx="835485" cy="215444"/>
+          </a:xfrm>
+          <a:prstGeom prst="rect">
+            <a:avLst/>
+          </a:prstGeom>
+        </p:spPr>
+        <p:txBody>
+          <a:bodyPr wrap="none">
+            <a:spAutoFit/>
+          </a:bodyPr>
+          <a:lstStyle/>
+          <a:p>
+            <a:r>
+              <a:rPr lang="en-US" sz="800" b="1" dirty="0" smtClean="0">
+                <a:solidFill>
+                  <a:srgbClr val="F2B800"/>
+                </a:solidFill>
+              </a:rPr>
+              <a:t>Model Summary</a:t>
+            </a:r>
+            <a:endParaRPr lang="en-CA" sz="800" b="1" dirty="0">
+              <a:solidFill>
+                <a:srgbClr val="F2B800"/>
+              </a:solidFill>
+            </a:endParaRPr>
+          </a:p>
+        </p:txBody>
+      </p:sp>
+      <p:sp>
+        <p:nvSpPr>
+          <p:cNvPr id="30" name="Rectangle 29"/>
+          <p:cNvSpPr/>
+          <p:nvPr/>
+        </p:nvSpPr>
+        <p:spPr>
+          <a:xfrm>
+            <a:off x="4203654" y="7137102"/>
+            <a:ext cx="1255472" cy="215444"/>
+          </a:xfrm>
+          <a:prstGeom prst="rect">
+            <a:avLst/>
+          </a:prstGeom>
+        </p:spPr>
+        <p:txBody>
+          <a:bodyPr wrap="none">
+            <a:spAutoFit/>
+          </a:bodyPr>
+          <a:lstStyle/>
+          <a:p>
+            <a:r>
+              <a:rPr lang="en-US" sz="800" b="1" dirty="0" smtClean="0">
+                <a:solidFill>
+                  <a:srgbClr val="F2B800"/>
+                </a:solidFill>
+              </a:rPr>
+              <a:t>Model Validation Accuracy</a:t>
+            </a:r>
+            <a:endParaRPr lang="en-CA" sz="800" b="1" dirty="0">
+              <a:solidFill>
+                <a:srgbClr val="F2B800"/>
+              </a:solidFill>
+            </a:endParaRPr>
+          </a:p>
+        </p:txBody>
+      </p:sp>
     </p:spTree>
     <p:extLst>
       <p:ext uri="{BB962C8B-B14F-4D97-AF65-F5344CB8AC3E}">
@@ -6310,6 +6008,23 @@
 </file>
 
 <file path=customXml/item1.xml><?xml version="1.0" encoding="utf-8"?>
+<p:properties xmlns:p="http://schemas.microsoft.com/office/2006/metadata/properties" xmlns:xsi="http://www.w3.org/2001/XMLSchema-instance" xmlns:pc="http://schemas.microsoft.com/office/infopath/2007/PartnerControls">
+  <documentManagement>
+    <MediaServiceKeyPoints xmlns="71af3243-3dd4-4a8d-8c0d-dd76da1f02a5" xsi:nil="true"/>
+  </documentManagement>
+</p:properties>
+</file>
+
+<file path=customXml/item2.xml><?xml version="1.0" encoding="utf-8"?>
+<?mso-contentType ?>
+<FormTemplates xmlns="http://schemas.microsoft.com/sharepoint/v3/contenttype/forms">
+  <Display>DocumentLibraryForm</Display>
+  <Edit>DocumentLibraryForm</Edit>
+  <New>DocumentLibraryForm</New>
+</FormTemplates>
+</file>
+
+<file path=customXml/item3.xml><?xml version="1.0" encoding="utf-8"?>
 <ct:contentTypeSchema xmlns:ct="http://schemas.microsoft.com/office/2006/metadata/contentType" xmlns:ma="http://schemas.microsoft.com/office/2006/metadata/properties/metaAttributes" ct:_="" ma:_="" ma:contentTypeName="Document" ma:contentTypeID="0x01010079F111ED35F8CC479449609E8A0923A6" ma:contentTypeVersion="11" ma:contentTypeDescription="Create a new document." ma:contentTypeScope="" ma:versionID="96291512c1ee715ab617f4c07df79fc1">
   <xsd:schema xmlns:xsd="http://www.w3.org/2001/XMLSchema" xmlns:xs="http://www.w3.org/2001/XMLSchema" xmlns:p="http://schemas.microsoft.com/office/2006/metadata/properties" xmlns:ns2="71af3243-3dd4-4a8d-8c0d-dd76da1f02a5" xmlns:ns3="16c05727-aa75-4e4a-9b5f-8a80a1165891" targetNamespace="http://schemas.microsoft.com/office/2006/metadata/properties" ma:root="true" ma:fieldsID="8256c27c40ca5c40ce1cf6c44f0205df" ns2:_="" ns3:_="">
     <xsd:import namespace="71af3243-3dd4-4a8d-8c0d-dd76da1f02a5"/>
@@ -6520,24 +6235,32 @@
 </ct:contentTypeSchema>
 </file>
 
-<file path=customXml/item2.xml><?xml version="1.0" encoding="utf-8"?>
-<?mso-contentType ?>
-<FormTemplates xmlns="http://schemas.microsoft.com/sharepoint/v3/contenttype/forms">
-  <Display>DocumentLibraryForm</Display>
-  <Edit>DocumentLibraryForm</Edit>
-  <New>DocumentLibraryForm</New>
-</FormTemplates>
+<file path=customXml/itemProps1.xml><?xml version="1.0" encoding="utf-8"?>
+<ds:datastoreItem xmlns:ds="http://schemas.openxmlformats.org/officeDocument/2006/customXml" ds:itemID="{E0CA591A-B9FA-47BD-A1F6-0A218B01BC5E}">
+  <ds:schemaRefs>
+    <ds:schemaRef ds:uri="http://purl.org/dc/elements/1.1/"/>
+    <ds:schemaRef ds:uri="http://schemas.microsoft.com/office/2006/metadata/properties"/>
+    <ds:schemaRef ds:uri="http://purl.org/dc/terms/"/>
+    <ds:schemaRef ds:uri="http://schemas.microsoft.com/office/2006/documentManagement/types"/>
+    <ds:schemaRef ds:uri="16c05727-aa75-4e4a-9b5f-8a80a1165891"/>
+    <ds:schemaRef ds:uri="http://purl.org/dc/dcmitype/"/>
+    <ds:schemaRef ds:uri="http://schemas.microsoft.com/office/infopath/2007/PartnerControls"/>
+    <ds:schemaRef ds:uri="http://schemas.openxmlformats.org/package/2006/metadata/core-properties"/>
+    <ds:schemaRef ds:uri="71af3243-3dd4-4a8d-8c0d-dd76da1f02a5"/>
+    <ds:schemaRef ds:uri="http://www.w3.org/XML/1998/namespace"/>
+  </ds:schemaRefs>
+</ds:datastoreItem>
 </file>
 
-<file path=customXml/item3.xml><?xml version="1.0" encoding="utf-8"?>
-<p:properties xmlns:p="http://schemas.microsoft.com/office/2006/metadata/properties" xmlns:xsi="http://www.w3.org/2001/XMLSchema-instance" xmlns:pc="http://schemas.microsoft.com/office/infopath/2007/PartnerControls">
-  <documentManagement>
-    <MediaServiceKeyPoints xmlns="71af3243-3dd4-4a8d-8c0d-dd76da1f02a5" xsi:nil="true"/>
-  </documentManagement>
-</p:properties>
+<file path=customXml/itemProps2.xml><?xml version="1.0" encoding="utf-8"?>
+<ds:datastoreItem xmlns:ds="http://schemas.openxmlformats.org/officeDocument/2006/customXml" ds:itemID="{64143643-2CC1-40E8-8F96-3A622E5C8725}">
+  <ds:schemaRefs>
+    <ds:schemaRef ds:uri="http://schemas.microsoft.com/sharepoint/v3/contenttype/forms"/>
+  </ds:schemaRefs>
+</ds:datastoreItem>
 </file>
 
-<file path=customXml/itemProps1.xml><?xml version="1.0" encoding="utf-8"?>
+<file path=customXml/itemProps3.xml><?xml version="1.0" encoding="utf-8"?>
 <ds:datastoreItem xmlns:ds="http://schemas.openxmlformats.org/officeDocument/2006/customXml" ds:itemID="{9BC39D06-EEDE-42A2-B3BB-C660DC8711B5}">
   <ds:schemaRefs>
     <ds:schemaRef ds:uri="http://schemas.microsoft.com/office/2006/metadata/contentType"/>
@@ -6554,29 +6277,4 @@
     <ds:schemaRef ds:uri="http://schemas.microsoft.com/internal/obd"/>
   </ds:schemaRefs>
 </ds:datastoreItem>
-</file>
-
-<file path=customXml/itemProps2.xml><?xml version="1.0" encoding="utf-8"?>
-<ds:datastoreItem xmlns:ds="http://schemas.openxmlformats.org/officeDocument/2006/customXml" ds:itemID="{64143643-2CC1-40E8-8F96-3A622E5C8725}">
-  <ds:schemaRefs>
-    <ds:schemaRef ds:uri="http://schemas.microsoft.com/sharepoint/v3/contenttype/forms"/>
-  </ds:schemaRefs>
-</ds:datastoreItem>
-</file>
-
-<file path=customXml/itemProps3.xml><?xml version="1.0" encoding="utf-8"?>
-<ds:datastoreItem xmlns:ds="http://schemas.openxmlformats.org/officeDocument/2006/customXml" ds:itemID="{E0CA591A-B9FA-47BD-A1F6-0A218B01BC5E}">
-  <ds:schemaRefs>
-    <ds:schemaRef ds:uri="http://purl.org/dc/elements/1.1/"/>
-    <ds:schemaRef ds:uri="http://schemas.microsoft.com/office/2006/metadata/properties"/>
-    <ds:schemaRef ds:uri="http://purl.org/dc/terms/"/>
-    <ds:schemaRef ds:uri="http://schemas.microsoft.com/office/2006/documentManagement/types"/>
-    <ds:schemaRef ds:uri="16c05727-aa75-4e4a-9b5f-8a80a1165891"/>
-    <ds:schemaRef ds:uri="http://purl.org/dc/dcmitype/"/>
-    <ds:schemaRef ds:uri="http://schemas.microsoft.com/office/infopath/2007/PartnerControls"/>
-    <ds:schemaRef ds:uri="http://schemas.openxmlformats.org/package/2006/metadata/core-properties"/>
-    <ds:schemaRef ds:uri="71af3243-3dd4-4a8d-8c0d-dd76da1f02a5"/>
-    <ds:schemaRef ds:uri="http://www.w3.org/XML/1998/namespace"/>
-  </ds:schemaRefs>
-</ds:datastoreItem>
 </file>
--- a/Project/Mental Wellness Sentiment Analysis.pptx
+++ b/Project/Mental Wellness Sentiment Analysis.pptx
@@ -14,7 +14,7 @@
     <p:sldId id="258" r:id="rId5"/>
   </p:sldIdLst>
   <p:sldSz cx="6858000" cy="9144000" type="screen4x3"/>
-  <p:notesSz cx="6858000" cy="9144000"/>
+  <p:notesSz cx="7315200" cy="9601200"/>
   <p:defaultTextStyle>
     <a:defPPr>
       <a:defRPr lang="en-US"/>
@@ -169,7 +169,7 @@
           <p:cNvPr id="2" name="Header Placeholder 1">
             <a:extLst>
               <a:ext uri="{FF2B5EF4-FFF2-40B4-BE49-F238E27FC236}">
-                <a16:creationId xmlns:a16="http://schemas.microsoft.com/office/drawing/2014/main" xmlns="" id="{E87E1F32-670E-42A1-BB79-BE7CF13D3D4C}"/>
+                <a16:creationId xmlns="" xmlns:a16="http://schemas.microsoft.com/office/drawing/2014/main" id="{E87E1F32-670E-42A1-BB79-BE7CF13D3D4C}"/>
               </a:ext>
             </a:extLst>
           </p:cNvPr>
@@ -183,17 +183,17 @@
         <p:spPr>
           <a:xfrm>
             <a:off x="0" y="0"/>
-            <a:ext cx="2971800" cy="458788"/>
+            <a:ext cx="3169920" cy="481727"/>
           </a:xfrm>
           <a:prstGeom prst="rect">
             <a:avLst/>
           </a:prstGeom>
         </p:spPr>
         <p:txBody>
-          <a:bodyPr vert="horz" lIns="91440" tIns="45720" rIns="91440" bIns="45720" rtlCol="0"/>
+          <a:bodyPr vert="horz" lIns="96661" tIns="48331" rIns="96661" bIns="48331" rtlCol="0"/>
           <a:lstStyle>
             <a:lvl1pPr algn="l">
-              <a:defRPr sz="1200"/>
+              <a:defRPr sz="1300"/>
             </a:lvl1pPr>
           </a:lstStyle>
           <a:p>
@@ -206,7 +206,7 @@
           <p:cNvPr id="3" name="Date Placeholder 2">
             <a:extLst>
               <a:ext uri="{FF2B5EF4-FFF2-40B4-BE49-F238E27FC236}">
-                <a16:creationId xmlns:a16="http://schemas.microsoft.com/office/drawing/2014/main" xmlns="" id="{37952D9F-355D-4E4D-9520-4A19B2947623}"/>
+                <a16:creationId xmlns="" xmlns:a16="http://schemas.microsoft.com/office/drawing/2014/main" id="{37952D9F-355D-4E4D-9520-4A19B2947623}"/>
               </a:ext>
             </a:extLst>
           </p:cNvPr>
@@ -219,18 +219,18 @@
         </p:nvSpPr>
         <p:spPr>
           <a:xfrm>
-            <a:off x="3884613" y="0"/>
-            <a:ext cx="2971800" cy="458788"/>
+            <a:off x="4143587" y="0"/>
+            <a:ext cx="3169920" cy="481727"/>
           </a:xfrm>
           <a:prstGeom prst="rect">
             <a:avLst/>
           </a:prstGeom>
         </p:spPr>
         <p:txBody>
-          <a:bodyPr vert="horz" lIns="91440" tIns="45720" rIns="91440" bIns="45720" rtlCol="0"/>
+          <a:bodyPr vert="horz" lIns="96661" tIns="48331" rIns="96661" bIns="48331" rtlCol="0"/>
           <a:lstStyle>
             <a:lvl1pPr algn="r">
-              <a:defRPr sz="1200"/>
+              <a:defRPr sz="1300"/>
             </a:lvl1pPr>
           </a:lstStyle>
           <a:p>
@@ -247,7 +247,7 @@
           <p:cNvPr id="4" name="Footer Placeholder 3">
             <a:extLst>
               <a:ext uri="{FF2B5EF4-FFF2-40B4-BE49-F238E27FC236}">
-                <a16:creationId xmlns:a16="http://schemas.microsoft.com/office/drawing/2014/main" xmlns="" id="{9C1D824E-CABD-4018-B1C4-F54DF49C3C83}"/>
+                <a16:creationId xmlns="" xmlns:a16="http://schemas.microsoft.com/office/drawing/2014/main" id="{9C1D824E-CABD-4018-B1C4-F54DF49C3C83}"/>
               </a:ext>
             </a:extLst>
           </p:cNvPr>
@@ -260,18 +260,18 @@
         </p:nvSpPr>
         <p:spPr>
           <a:xfrm>
-            <a:off x="0" y="8685213"/>
-            <a:ext cx="2971800" cy="458787"/>
+            <a:off x="0" y="9119474"/>
+            <a:ext cx="3169920" cy="481726"/>
           </a:xfrm>
           <a:prstGeom prst="rect">
             <a:avLst/>
           </a:prstGeom>
         </p:spPr>
         <p:txBody>
-          <a:bodyPr vert="horz" lIns="91440" tIns="45720" rIns="91440" bIns="45720" rtlCol="0" anchor="b"/>
+          <a:bodyPr vert="horz" lIns="96661" tIns="48331" rIns="96661" bIns="48331" rtlCol="0" anchor="b"/>
           <a:lstStyle>
             <a:lvl1pPr algn="l">
-              <a:defRPr sz="1200"/>
+              <a:defRPr sz="1300"/>
             </a:lvl1pPr>
           </a:lstStyle>
           <a:p>
@@ -284,7 +284,7 @@
           <p:cNvPr id="5" name="Slide Number Placeholder 4">
             <a:extLst>
               <a:ext uri="{FF2B5EF4-FFF2-40B4-BE49-F238E27FC236}">
-                <a16:creationId xmlns:a16="http://schemas.microsoft.com/office/drawing/2014/main" xmlns="" id="{568D1F29-09CA-482E-8686-EEE88BB73D4D}"/>
+                <a16:creationId xmlns="" xmlns:a16="http://schemas.microsoft.com/office/drawing/2014/main" id="{568D1F29-09CA-482E-8686-EEE88BB73D4D}"/>
               </a:ext>
             </a:extLst>
           </p:cNvPr>
@@ -297,18 +297,18 @@
         </p:nvSpPr>
         <p:spPr>
           <a:xfrm>
-            <a:off x="3884613" y="8685213"/>
-            <a:ext cx="2971800" cy="458787"/>
+            <a:off x="4143587" y="9119474"/>
+            <a:ext cx="3169920" cy="481726"/>
           </a:xfrm>
           <a:prstGeom prst="rect">
             <a:avLst/>
           </a:prstGeom>
         </p:spPr>
         <p:txBody>
-          <a:bodyPr vert="horz" lIns="91440" tIns="45720" rIns="91440" bIns="45720" rtlCol="0" anchor="b"/>
+          <a:bodyPr vert="horz" lIns="96661" tIns="48331" rIns="96661" bIns="48331" rtlCol="0" anchor="b"/>
           <a:lstStyle>
             <a:lvl1pPr algn="r">
-              <a:defRPr sz="1200"/>
+              <a:defRPr sz="1300"/>
             </a:lvl1pPr>
           </a:lstStyle>
           <a:p>
@@ -366,17 +366,17 @@
         <p:spPr>
           <a:xfrm>
             <a:off x="0" y="0"/>
-            <a:ext cx="2971800" cy="458788"/>
+            <a:ext cx="3169920" cy="481727"/>
           </a:xfrm>
           <a:prstGeom prst="rect">
             <a:avLst/>
           </a:prstGeom>
         </p:spPr>
         <p:txBody>
-          <a:bodyPr vert="horz" lIns="91440" tIns="45720" rIns="91440" bIns="45720" rtlCol="0"/>
+          <a:bodyPr vert="horz" lIns="96661" tIns="48331" rIns="96661" bIns="48331" rtlCol="0"/>
           <a:lstStyle>
             <a:lvl1pPr algn="l">
-              <a:defRPr sz="1200"/>
+              <a:defRPr sz="1300"/>
             </a:lvl1pPr>
           </a:lstStyle>
           <a:p>
@@ -396,18 +396,18 @@
         </p:nvSpPr>
         <p:spPr>
           <a:xfrm>
-            <a:off x="3884613" y="0"/>
-            <a:ext cx="2971800" cy="458788"/>
+            <a:off x="4143587" y="0"/>
+            <a:ext cx="3169920" cy="481727"/>
           </a:xfrm>
           <a:prstGeom prst="rect">
             <a:avLst/>
           </a:prstGeom>
         </p:spPr>
         <p:txBody>
-          <a:bodyPr vert="horz" lIns="91440" tIns="45720" rIns="91440" bIns="45720" rtlCol="0"/>
+          <a:bodyPr vert="horz" lIns="96661" tIns="48331" rIns="96661" bIns="48331" rtlCol="0"/>
           <a:lstStyle>
             <a:lvl1pPr algn="r">
-              <a:defRPr sz="1200"/>
+              <a:defRPr sz="1300"/>
             </a:lvl1pPr>
           </a:lstStyle>
           <a:p>
@@ -431,8 +431,8 @@
         </p:nvSpPr>
         <p:spPr>
           <a:xfrm>
-            <a:off x="2271713" y="1143000"/>
-            <a:ext cx="2314575" cy="3086100"/>
+            <a:off x="2443163" y="1200150"/>
+            <a:ext cx="2428875" cy="3240088"/>
           </a:xfrm>
           <a:prstGeom prst="rect">
             <a:avLst/>
@@ -445,7 +445,7 @@
           </a:ln>
         </p:spPr>
         <p:txBody>
-          <a:bodyPr vert="horz" lIns="91440" tIns="45720" rIns="91440" bIns="45720" rtlCol="0" anchor="ctr"/>
+          <a:bodyPr vert="horz" lIns="96661" tIns="48331" rIns="96661" bIns="48331" rtlCol="0" anchor="ctr"/>
           <a:lstStyle/>
           <a:p>
             <a:endParaRPr lang="en-US" noProof="0" dirty="0"/>
@@ -464,15 +464,15 @@
         </p:nvSpPr>
         <p:spPr>
           <a:xfrm>
-            <a:off x="685800" y="4400550"/>
-            <a:ext cx="5486400" cy="3600450"/>
+            <a:off x="731520" y="4620577"/>
+            <a:ext cx="5852160" cy="3780473"/>
           </a:xfrm>
           <a:prstGeom prst="rect">
             <a:avLst/>
           </a:prstGeom>
         </p:spPr>
         <p:txBody>
-          <a:bodyPr vert="horz" lIns="91440" tIns="45720" rIns="91440" bIns="45720" rtlCol="0"/>
+          <a:bodyPr vert="horz" lIns="96661" tIns="48331" rIns="96661" bIns="48331" rtlCol="0"/>
           <a:lstStyle/>
           <a:p>
             <a:pPr lvl="0"/>
@@ -523,18 +523,18 @@
         </p:nvSpPr>
         <p:spPr>
           <a:xfrm>
-            <a:off x="0" y="8685213"/>
-            <a:ext cx="2971800" cy="458787"/>
+            <a:off x="0" y="9119474"/>
+            <a:ext cx="3169920" cy="481726"/>
           </a:xfrm>
           <a:prstGeom prst="rect">
             <a:avLst/>
           </a:prstGeom>
         </p:spPr>
         <p:txBody>
-          <a:bodyPr vert="horz" lIns="91440" tIns="45720" rIns="91440" bIns="45720" rtlCol="0" anchor="b"/>
+          <a:bodyPr vert="horz" lIns="96661" tIns="48331" rIns="96661" bIns="48331" rtlCol="0" anchor="b"/>
           <a:lstStyle>
             <a:lvl1pPr algn="l">
-              <a:defRPr sz="1200"/>
+              <a:defRPr sz="1300"/>
             </a:lvl1pPr>
           </a:lstStyle>
           <a:p>
@@ -554,18 +554,18 @@
         </p:nvSpPr>
         <p:spPr>
           <a:xfrm>
-            <a:off x="3884613" y="8685213"/>
-            <a:ext cx="2971800" cy="458787"/>
+            <a:off x="4143587" y="9119474"/>
+            <a:ext cx="3169920" cy="481726"/>
           </a:xfrm>
           <a:prstGeom prst="rect">
             <a:avLst/>
           </a:prstGeom>
         </p:spPr>
         <p:txBody>
-          <a:bodyPr vert="horz" lIns="91440" tIns="45720" rIns="91440" bIns="45720" rtlCol="0" anchor="b"/>
+          <a:bodyPr vert="horz" lIns="96661" tIns="48331" rIns="96661" bIns="48331" rtlCol="0" anchor="b"/>
           <a:lstStyle>
             <a:lvl1pPr algn="r">
-              <a:defRPr sz="1200"/>
+              <a:defRPr sz="1300"/>
             </a:lvl1pPr>
           </a:lstStyle>
           <a:p>
@@ -702,7 +702,7 @@
           <p:cNvPr id="6" name="Picture 5">
             <a:extLst>
               <a:ext uri="{FF2B5EF4-FFF2-40B4-BE49-F238E27FC236}">
-                <a16:creationId xmlns:a16="http://schemas.microsoft.com/office/drawing/2014/main" xmlns="" id="{6431B22D-278B-4494-9983-22D9FEE2D057}"/>
+                <a16:creationId xmlns="" xmlns:a16="http://schemas.microsoft.com/office/drawing/2014/main" id="{6431B22D-278B-4494-9983-22D9FEE2D057}"/>
               </a:ext>
             </a:extLst>
           </p:cNvPr>
@@ -732,7 +732,7 @@
           <p:cNvPr id="14" name="Text Placeholder 13">
             <a:extLst>
               <a:ext uri="{FF2B5EF4-FFF2-40B4-BE49-F238E27FC236}">
-                <a16:creationId xmlns:a16="http://schemas.microsoft.com/office/drawing/2014/main" xmlns="" id="{780CA53D-B21C-44EE-A7DC-F80DFA651AFE}"/>
+                <a16:creationId xmlns="" xmlns:a16="http://schemas.microsoft.com/office/drawing/2014/main" id="{780CA53D-B21C-44EE-A7DC-F80DFA651AFE}"/>
               </a:ext>
             </a:extLst>
           </p:cNvPr>
@@ -794,7 +794,7 @@
           <p:cNvPr id="29" name="Title 28">
             <a:extLst>
               <a:ext uri="{FF2B5EF4-FFF2-40B4-BE49-F238E27FC236}">
-                <a16:creationId xmlns:a16="http://schemas.microsoft.com/office/drawing/2014/main" xmlns="" id="{CF5BE93F-A649-42C8-AEBD-2B75A390FADC}"/>
+                <a16:creationId xmlns="" xmlns:a16="http://schemas.microsoft.com/office/drawing/2014/main" id="{CF5BE93F-A649-42C8-AEBD-2B75A390FADC}"/>
               </a:ext>
             </a:extLst>
           </p:cNvPr>
@@ -1442,7 +1442,7 @@
           <p:cNvPr id="3" name="Title 2">
             <a:extLst>
               <a:ext uri="{FF2B5EF4-FFF2-40B4-BE49-F238E27FC236}">
-                <a16:creationId xmlns:a16="http://schemas.microsoft.com/office/drawing/2014/main" xmlns="" id="{6F345E3D-A2D8-410A-AB73-7095D6AFCF69}"/>
+                <a16:creationId xmlns="" xmlns:a16="http://schemas.microsoft.com/office/drawing/2014/main" id="{6F345E3D-A2D8-410A-AB73-7095D6AFCF69}"/>
               </a:ext>
             </a:extLst>
           </p:cNvPr>
@@ -1477,7 +1477,7 @@
           <p:cNvPr id="25" name="Text Placeholder 19">
             <a:extLst>
               <a:ext uri="{FF2B5EF4-FFF2-40B4-BE49-F238E27FC236}">
-                <a16:creationId xmlns:a16="http://schemas.microsoft.com/office/drawing/2014/main" xmlns="" id="{A3725F2D-3F20-47AB-B9A5-E5757F6FF86A}"/>
+                <a16:creationId xmlns="" xmlns:a16="http://schemas.microsoft.com/office/drawing/2014/main" id="{A3725F2D-3F20-47AB-B9A5-E5757F6FF86A}"/>
               </a:ext>
             </a:extLst>
           </p:cNvPr>
@@ -1683,7 +1683,7 @@
           <p:cNvPr id="26" name="Text Placeholder 19">
             <a:extLst>
               <a:ext uri="{FF2B5EF4-FFF2-40B4-BE49-F238E27FC236}">
-                <a16:creationId xmlns:a16="http://schemas.microsoft.com/office/drawing/2014/main" xmlns="" id="{393A3EB8-3EBA-4BA7-997A-376D9150E903}"/>
+                <a16:creationId xmlns="" xmlns:a16="http://schemas.microsoft.com/office/drawing/2014/main" id="{393A3EB8-3EBA-4BA7-997A-376D9150E903}"/>
               </a:ext>
             </a:extLst>
           </p:cNvPr>
@@ -1954,7 +1954,7 @@
           <p:cNvPr id="23" name="Text Placeholder 19">
             <a:extLst>
               <a:ext uri="{FF2B5EF4-FFF2-40B4-BE49-F238E27FC236}">
-                <a16:creationId xmlns:a16="http://schemas.microsoft.com/office/drawing/2014/main" xmlns="" id="{6BE59FCF-FFED-4A34-AAEC-8C22F983D227}"/>
+                <a16:creationId xmlns="" xmlns:a16="http://schemas.microsoft.com/office/drawing/2014/main" id="{6BE59FCF-FFED-4A34-AAEC-8C22F983D227}"/>
               </a:ext>
             </a:extLst>
           </p:cNvPr>
@@ -2156,7 +2156,7 @@
           <p:cNvPr id="24" name="Text Placeholder 19">
             <a:extLst>
               <a:ext uri="{FF2B5EF4-FFF2-40B4-BE49-F238E27FC236}">
-                <a16:creationId xmlns:a16="http://schemas.microsoft.com/office/drawing/2014/main" xmlns="" id="{6ED694E5-AE6C-41B5-B6A8-CDF7585D6174}"/>
+                <a16:creationId xmlns="" xmlns:a16="http://schemas.microsoft.com/office/drawing/2014/main" id="{6ED694E5-AE6C-41B5-B6A8-CDF7585D6174}"/>
               </a:ext>
             </a:extLst>
           </p:cNvPr>
@@ -2390,13 +2390,8 @@
             </a:pPr>
             <a:r>
               <a:rPr lang="en-US" dirty="0" smtClean="0"/>
-              <a:t>GTX </a:t>
-            </a:r>
-            <a:r>
-              <a:rPr lang="en-US" dirty="0" smtClean="0"/>
-              <a:t>1080 GPU</a:t>
-            </a:r>
-            <a:endParaRPr lang="en-US" dirty="0" smtClean="0"/>
+              <a:t>GTX 1080 GPU</a:t>
+            </a:r>
           </a:p>
         </p:txBody>
       </p:sp>
@@ -2405,7 +2400,7 @@
           <p:cNvPr id="14" name="Text Placeholder 19">
             <a:extLst>
               <a:ext uri="{FF2B5EF4-FFF2-40B4-BE49-F238E27FC236}">
-                <a16:creationId xmlns:a16="http://schemas.microsoft.com/office/drawing/2014/main" xmlns="" id="{2B5F14DE-7D1A-461C-95A5-3E218CC452D4}"/>
+                <a16:creationId xmlns="" xmlns:a16="http://schemas.microsoft.com/office/drawing/2014/main" id="{2B5F14DE-7D1A-461C-95A5-3E218CC452D4}"/>
               </a:ext>
             </a:extLst>
           </p:cNvPr>
@@ -2606,7 +2601,7 @@
           <p:cNvPr id="75" name="Text Placeholder 19">
             <a:extLst>
               <a:ext uri="{FF2B5EF4-FFF2-40B4-BE49-F238E27FC236}">
-                <a16:creationId xmlns:a16="http://schemas.microsoft.com/office/drawing/2014/main" xmlns="" id="{A3725F2D-3F20-47AB-B9A5-E5757F6FF86A}"/>
+                <a16:creationId xmlns="" xmlns:a16="http://schemas.microsoft.com/office/drawing/2014/main" id="{A3725F2D-3F20-47AB-B9A5-E5757F6FF86A}"/>
               </a:ext>
             </a:extLst>
           </p:cNvPr>
@@ -2808,7 +2803,7 @@
           <p:cNvPr id="77" name="Text Placeholder 19">
             <a:extLst>
               <a:ext uri="{FF2B5EF4-FFF2-40B4-BE49-F238E27FC236}">
-                <a16:creationId xmlns:a16="http://schemas.microsoft.com/office/drawing/2014/main" xmlns="" id="{6BE59FCF-FFED-4A34-AAEC-8C22F983D227}"/>
+                <a16:creationId xmlns="" xmlns:a16="http://schemas.microsoft.com/office/drawing/2014/main" id="{6BE59FCF-FFED-4A34-AAEC-8C22F983D227}"/>
               </a:ext>
             </a:extLst>
           </p:cNvPr>
@@ -3014,7 +3009,7 @@
           <p:cNvPr id="79" name="Text Placeholder 19">
             <a:extLst>
               <a:ext uri="{FF2B5EF4-FFF2-40B4-BE49-F238E27FC236}">
-                <a16:creationId xmlns:a16="http://schemas.microsoft.com/office/drawing/2014/main" xmlns="" id="{6ED694E5-AE6C-41B5-B6A8-CDF7585D6174}"/>
+                <a16:creationId xmlns="" xmlns:a16="http://schemas.microsoft.com/office/drawing/2014/main" id="{6ED694E5-AE6C-41B5-B6A8-CDF7585D6174}"/>
               </a:ext>
             </a:extLst>
           </p:cNvPr>
@@ -3208,15 +3203,7 @@
             <a:pPr algn="just"/>
             <a:r>
               <a:rPr lang="en-US" dirty="0" smtClean="0"/>
-              <a:t>Overall the accuracy of the </a:t>
-            </a:r>
-            <a:r>
-              <a:rPr lang="en-US" dirty="0" smtClean="0"/>
-              <a:t>model </a:t>
-            </a:r>
-            <a:r>
-              <a:rPr lang="en-US" dirty="0" smtClean="0"/>
-              <a:t>is </a:t>
+              <a:t>Overall the accuracy of the model is </a:t>
             </a:r>
             <a:r>
               <a:rPr lang="en-US" dirty="0"/>
@@ -3224,71 +3211,7 @@
             </a:r>
             <a:r>
               <a:rPr lang="en-US" dirty="0" smtClean="0"/>
-              <a:t>ideal</a:t>
-            </a:r>
-            <a:r>
-              <a:rPr lang="en-US" dirty="0" smtClean="0"/>
-              <a:t>, but may still be high enough to be useful when analyzed by a therapist. To </a:t>
-            </a:r>
-            <a:r>
-              <a:rPr lang="en-US" dirty="0" smtClean="0"/>
-              <a:t>improve </a:t>
-            </a:r>
-            <a:r>
-              <a:rPr lang="en-US" dirty="0" smtClean="0"/>
-              <a:t>the </a:t>
-            </a:r>
-            <a:r>
-              <a:rPr lang="en-US" dirty="0" smtClean="0"/>
-              <a:t>model </a:t>
-            </a:r>
-            <a:r>
-              <a:rPr lang="en-US" dirty="0" smtClean="0"/>
-              <a:t>will require </a:t>
-            </a:r>
-            <a:r>
-              <a:rPr lang="en-US" dirty="0" smtClean="0"/>
-              <a:t>better and more labeled </a:t>
-            </a:r>
-            <a:r>
-              <a:rPr lang="en-US" dirty="0" smtClean="0"/>
-              <a:t>data, and to sanitize </a:t>
-            </a:r>
-            <a:r>
-              <a:rPr lang="en-US" dirty="0" smtClean="0"/>
-              <a:t>the data before feeding into the model reduce </a:t>
-            </a:r>
-            <a:r>
-              <a:rPr lang="en-US" dirty="0" smtClean="0"/>
-              <a:t>noise</a:t>
-            </a:r>
-            <a:r>
-              <a:rPr lang="en-US" dirty="0" smtClean="0"/>
-              <a:t>. The model </a:t>
-            </a:r>
-            <a:r>
-              <a:rPr lang="en-US" dirty="0" smtClean="0"/>
-              <a:t>itself seems to be  </a:t>
-            </a:r>
-            <a:r>
-              <a:rPr lang="en-US" dirty="0" smtClean="0"/>
-              <a:t>having trouble </a:t>
-            </a:r>
-            <a:r>
-              <a:rPr lang="en-US" dirty="0" smtClean="0"/>
-              <a:t>classifying </a:t>
-            </a:r>
-            <a:r>
-              <a:rPr lang="en-US" dirty="0" smtClean="0"/>
-              <a:t>between depression and </a:t>
-            </a:r>
-            <a:r>
-              <a:rPr lang="en-US" dirty="0" smtClean="0"/>
-              <a:t>suicidal </a:t>
-            </a:r>
-            <a:r>
-              <a:rPr lang="en-US" dirty="0" smtClean="0"/>
-              <a:t>posts due </a:t>
+              <a:t>ideal, but may still be high enough to be useful when analyzed by a therapist. To improve the model will require better and more labeled data, and to sanitize the data before feeding into the model reduce noise. The model itself seems to be  having trouble classifying between depression and suicidal posts due </a:t>
             </a:r>
             <a:r>
               <a:rPr lang="en-US" dirty="0"/>
@@ -3296,11 +3219,7 @@
             </a:r>
             <a:r>
               <a:rPr lang="en-US" dirty="0" smtClean="0"/>
-              <a:t>similarity of  contents</a:t>
-            </a:r>
-            <a:r>
-              <a:rPr lang="en-US" dirty="0" smtClean="0"/>
-              <a:t>. Improving these data sets may aid in classification.</a:t>
+              <a:t>similarity of  contents. Improving these data sets may aid in classification.</a:t>
             </a:r>
             <a:endParaRPr lang="en-US" dirty="0"/>
           </a:p>
@@ -3311,7 +3230,7 @@
           <p:cNvPr id="80" name="Text Placeholder 19">
             <a:extLst>
               <a:ext uri="{FF2B5EF4-FFF2-40B4-BE49-F238E27FC236}">
-                <a16:creationId xmlns:a16="http://schemas.microsoft.com/office/drawing/2014/main" xmlns="" id="{393A3EB8-3EBA-4BA7-997A-376D9150E903}"/>
+                <a16:creationId xmlns="" xmlns:a16="http://schemas.microsoft.com/office/drawing/2014/main" id="{393A3EB8-3EBA-4BA7-997A-376D9150E903}"/>
               </a:ext>
             </a:extLst>
           </p:cNvPr>
@@ -3504,11 +3423,7 @@
           <a:p>
             <a:r>
               <a:rPr lang="en-US" dirty="0" smtClean="0"/>
-              <a:t>First scrape </a:t>
-            </a:r>
-            <a:r>
-              <a:rPr lang="en-US" dirty="0" smtClean="0"/>
-              <a:t>labeled data from </a:t>
+              <a:t>First scrape labeled data from </a:t>
             </a:r>
             <a:r>
               <a:rPr lang="en-US" dirty="0" err="1" smtClean="0"/>
@@ -3516,19 +3431,7 @@
             </a:r>
             <a:r>
               <a:rPr lang="en-US" dirty="0" smtClean="0"/>
-              <a:t>, </a:t>
-            </a:r>
-            <a:r>
-              <a:rPr lang="en-US" dirty="0" smtClean="0"/>
-              <a:t>use python to </a:t>
-            </a:r>
-            <a:r>
-              <a:rPr lang="en-US" dirty="0" smtClean="0"/>
-              <a:t>label the data and organize and visualize with </a:t>
-            </a:r>
-            <a:r>
-              <a:rPr lang="en-US" dirty="0" smtClean="0"/>
-              <a:t>panda.</a:t>
+              <a:t>, use python to label the data and organize and visualize with panda.</a:t>
             </a:r>
             <a:endParaRPr lang="en-US" dirty="0"/>
           </a:p>
@@ -3545,13 +3448,8 @@
             </a:pPr>
             <a:r>
               <a:rPr lang="en-US" dirty="0" smtClean="0"/>
-              <a:t>2/3 </a:t>
-            </a:r>
-            <a:r>
-              <a:rPr lang="en-US" dirty="0" smtClean="0"/>
-              <a:t>training </a:t>
-            </a:r>
-            <a:endParaRPr lang="en-US" dirty="0" smtClean="0"/>
+              <a:t>2/3 training </a:t>
+            </a:r>
           </a:p>
           <a:p>
             <a:pPr marL="171450" indent="-171450">
@@ -3566,19 +3464,7 @@
           <a:p>
             <a:r>
               <a:rPr lang="en-US" dirty="0" smtClean="0"/>
-              <a:t>Finally feed training data into the </a:t>
-            </a:r>
-            <a:r>
-              <a:rPr lang="en-US" dirty="0" smtClean="0"/>
-              <a:t>RNN (LSTM) model </a:t>
-            </a:r>
-            <a:r>
-              <a:rPr lang="en-US" dirty="0" smtClean="0"/>
-              <a:t>and use the validation data set to </a:t>
-            </a:r>
-            <a:r>
-              <a:rPr lang="en-US" dirty="0" smtClean="0"/>
-              <a:t>access </a:t>
+              <a:t>Finally feed training data into the RNN (LSTM) model and use the validation data set to access </a:t>
             </a:r>
             <a:r>
               <a:rPr lang="en-US" dirty="0" err="1" smtClean="0"/>
@@ -3588,7 +3474,6 @@
               <a:rPr lang="en-US" dirty="0" smtClean="0"/>
               <a:t>.  </a:t>
             </a:r>
-            <a:endParaRPr lang="en-US" dirty="0" smtClean="0"/>
           </a:p>
         </p:txBody>
       </p:sp>
@@ -3597,7 +3482,7 @@
           <p:cNvPr id="81" name="Text Placeholder 19">
             <a:extLst>
               <a:ext uri="{FF2B5EF4-FFF2-40B4-BE49-F238E27FC236}">
-                <a16:creationId xmlns:a16="http://schemas.microsoft.com/office/drawing/2014/main" xmlns="" id="{A3725F2D-3F20-47AB-B9A5-E5757F6FF86A}"/>
+                <a16:creationId xmlns="" xmlns:a16="http://schemas.microsoft.com/office/drawing/2014/main" id="{A3725F2D-3F20-47AB-B9A5-E5757F6FF86A}"/>
               </a:ext>
             </a:extLst>
           </p:cNvPr>
@@ -3799,7 +3684,7 @@
           <p:cNvPr id="82" name="Text Placeholder 19">
             <a:extLst>
               <a:ext uri="{FF2B5EF4-FFF2-40B4-BE49-F238E27FC236}">
-                <a16:creationId xmlns:a16="http://schemas.microsoft.com/office/drawing/2014/main" xmlns="" id="{A3725F2D-3F20-47AB-B9A5-E5757F6FF86A}"/>
+                <a16:creationId xmlns="" xmlns:a16="http://schemas.microsoft.com/office/drawing/2014/main" id="{A3725F2D-3F20-47AB-B9A5-E5757F6FF86A}"/>
               </a:ext>
             </a:extLst>
           </p:cNvPr>
@@ -4001,7 +3886,7 @@
           <p:cNvPr id="83" name="Text Placeholder 19">
             <a:extLst>
               <a:ext uri="{FF2B5EF4-FFF2-40B4-BE49-F238E27FC236}">
-                <a16:creationId xmlns:a16="http://schemas.microsoft.com/office/drawing/2014/main" xmlns="" id="{6ED694E5-AE6C-41B5-B6A8-CDF7585D6174}"/>
+                <a16:creationId xmlns="" xmlns:a16="http://schemas.microsoft.com/office/drawing/2014/main" id="{6ED694E5-AE6C-41B5-B6A8-CDF7585D6174}"/>
               </a:ext>
             </a:extLst>
           </p:cNvPr>
@@ -4322,7 +4207,7 @@
           <p:cNvPr id="84" name="Text Placeholder 19">
             <a:extLst>
               <a:ext uri="{FF2B5EF4-FFF2-40B4-BE49-F238E27FC236}">
-                <a16:creationId xmlns:a16="http://schemas.microsoft.com/office/drawing/2014/main" xmlns="" id="{6BE59FCF-FFED-4A34-AAEC-8C22F983D227}"/>
+                <a16:creationId xmlns="" xmlns:a16="http://schemas.microsoft.com/office/drawing/2014/main" id="{6BE59FCF-FFED-4A34-AAEC-8C22F983D227}"/>
               </a:ext>
             </a:extLst>
           </p:cNvPr>
@@ -4524,7 +4409,7 @@
           <p:cNvPr id="85" name="Text Placeholder 19">
             <a:extLst>
               <a:ext uri="{FF2B5EF4-FFF2-40B4-BE49-F238E27FC236}">
-                <a16:creationId xmlns:a16="http://schemas.microsoft.com/office/drawing/2014/main" xmlns="" id="{6ED694E5-AE6C-41B5-B6A8-CDF7585D6174}"/>
+                <a16:creationId xmlns="" xmlns:a16="http://schemas.microsoft.com/office/drawing/2014/main" id="{6ED694E5-AE6C-41B5-B6A8-CDF7585D6174}"/>
               </a:ext>
             </a:extLst>
           </p:cNvPr>
@@ -4819,6 +4704,13 @@
           <a:prstGeom prst="rect">
             <a:avLst/>
           </a:prstGeom>
+          <a:effectLst>
+            <a:outerShdw blurRad="50800" dist="38100" dir="2700000" algn="tl" rotWithShape="0">
+              <a:prstClr val="black">
+                <a:alpha val="40000"/>
+              </a:prstClr>
+            </a:outerShdw>
+          </a:effectLst>
         </p:spPr>
       </p:pic>
       <p:pic>
@@ -4849,6 +4741,13 @@
           <a:prstGeom prst="rect">
             <a:avLst/>
           </a:prstGeom>
+          <a:effectLst>
+            <a:outerShdw blurRad="50800" dist="38100" dir="2700000" algn="tl" rotWithShape="0">
+              <a:prstClr val="black">
+                <a:alpha val="40000"/>
+              </a:prstClr>
+            </a:outerShdw>
+          </a:effectLst>
         </p:spPr>
       </p:pic>
       <p:pic>
@@ -4886,6 +4785,13 @@
           <a:prstGeom prst="rect">
             <a:avLst/>
           </a:prstGeom>
+          <a:effectLst>
+            <a:outerShdw blurRad="50800" dist="38100" dir="2700000" algn="tl" rotWithShape="0">
+              <a:prstClr val="black">
+                <a:alpha val="40000"/>
+              </a:prstClr>
+            </a:outerShdw>
+          </a:effectLst>
         </p:spPr>
       </p:pic>
       <p:pic>
@@ -4923,6 +4829,13 @@
           <a:prstGeom prst="rect">
             <a:avLst/>
           </a:prstGeom>
+          <a:effectLst>
+            <a:outerShdw blurRad="50800" dist="38100" dir="2700000" algn="tl" rotWithShape="0">
+              <a:prstClr val="black">
+                <a:alpha val="40000"/>
+              </a:prstClr>
+            </a:outerShdw>
+          </a:effectLst>
         </p:spPr>
       </p:pic>
       <p:pic>
@@ -4960,6 +4873,13 @@
           <a:prstGeom prst="rect">
             <a:avLst/>
           </a:prstGeom>
+          <a:effectLst>
+            <a:outerShdw blurRad="50800" dist="38100" dir="2700000" algn="tl" rotWithShape="0">
+              <a:prstClr val="black">
+                <a:alpha val="40000"/>
+              </a:prstClr>
+            </a:outerShdw>
+          </a:effectLst>
         </p:spPr>
       </p:pic>
       <p:pic>
@@ -4997,6 +4917,13 @@
           <a:prstGeom prst="rect">
             <a:avLst/>
           </a:prstGeom>
+          <a:effectLst>
+            <a:outerShdw blurRad="50800" dist="38100" dir="2700000" algn="tl" rotWithShape="0">
+              <a:prstClr val="black">
+                <a:alpha val="40000"/>
+              </a:prstClr>
+            </a:outerShdw>
+          </a:effectLst>
         </p:spPr>
       </p:pic>
       <p:pic>
@@ -5027,6 +4954,13 @@
           <a:prstGeom prst="rect">
             <a:avLst/>
           </a:prstGeom>
+          <a:effectLst>
+            <a:outerShdw blurRad="50800" dist="38100" dir="2700000" algn="tl" rotWithShape="0">
+              <a:prstClr val="black">
+                <a:alpha val="40000"/>
+              </a:prstClr>
+            </a:outerShdw>
+          </a:effectLst>
         </p:spPr>
       </p:pic>
       <p:pic>
@@ -5057,6 +4991,13 @@
           <a:prstGeom prst="rect">
             <a:avLst/>
           </a:prstGeom>
+          <a:effectLst>
+            <a:outerShdw blurRad="50800" dist="38100" dir="2700000" algn="tl" rotWithShape="0">
+              <a:prstClr val="black">
+                <a:alpha val="40000"/>
+              </a:prstClr>
+            </a:outerShdw>
+          </a:effectLst>
         </p:spPr>
       </p:pic>
       <p:sp>
@@ -6008,23 +5949,6 @@
 </file>
 
 <file path=customXml/item1.xml><?xml version="1.0" encoding="utf-8"?>
-<p:properties xmlns:p="http://schemas.microsoft.com/office/2006/metadata/properties" xmlns:xsi="http://www.w3.org/2001/XMLSchema-instance" xmlns:pc="http://schemas.microsoft.com/office/infopath/2007/PartnerControls">
-  <documentManagement>
-    <MediaServiceKeyPoints xmlns="71af3243-3dd4-4a8d-8c0d-dd76da1f02a5" xsi:nil="true"/>
-  </documentManagement>
-</p:properties>
-</file>
-
-<file path=customXml/item2.xml><?xml version="1.0" encoding="utf-8"?>
-<?mso-contentType ?>
-<FormTemplates xmlns="http://schemas.microsoft.com/sharepoint/v3/contenttype/forms">
-  <Display>DocumentLibraryForm</Display>
-  <Edit>DocumentLibraryForm</Edit>
-  <New>DocumentLibraryForm</New>
-</FormTemplates>
-</file>
-
-<file path=customXml/item3.xml><?xml version="1.0" encoding="utf-8"?>
 <ct:contentTypeSchema xmlns:ct="http://schemas.microsoft.com/office/2006/metadata/contentType" xmlns:ma="http://schemas.microsoft.com/office/2006/metadata/properties/metaAttributes" ct:_="" ma:_="" ma:contentTypeName="Document" ma:contentTypeID="0x01010079F111ED35F8CC479449609E8A0923A6" ma:contentTypeVersion="11" ma:contentTypeDescription="Create a new document." ma:contentTypeScope="" ma:versionID="96291512c1ee715ab617f4c07df79fc1">
   <xsd:schema xmlns:xsd="http://www.w3.org/2001/XMLSchema" xmlns:xs="http://www.w3.org/2001/XMLSchema" xmlns:p="http://schemas.microsoft.com/office/2006/metadata/properties" xmlns:ns2="71af3243-3dd4-4a8d-8c0d-dd76da1f02a5" xmlns:ns3="16c05727-aa75-4e4a-9b5f-8a80a1165891" targetNamespace="http://schemas.microsoft.com/office/2006/metadata/properties" ma:root="true" ma:fieldsID="8256c27c40ca5c40ce1cf6c44f0205df" ns2:_="" ns3:_="">
     <xsd:import namespace="71af3243-3dd4-4a8d-8c0d-dd76da1f02a5"/>
@@ -6235,32 +6159,24 @@
 </ct:contentTypeSchema>
 </file>
 
-<file path=customXml/itemProps1.xml><?xml version="1.0" encoding="utf-8"?>
-<ds:datastoreItem xmlns:ds="http://schemas.openxmlformats.org/officeDocument/2006/customXml" ds:itemID="{E0CA591A-B9FA-47BD-A1F6-0A218B01BC5E}">
-  <ds:schemaRefs>
-    <ds:schemaRef ds:uri="http://purl.org/dc/elements/1.1/"/>
-    <ds:schemaRef ds:uri="http://schemas.microsoft.com/office/2006/metadata/properties"/>
-    <ds:schemaRef ds:uri="http://purl.org/dc/terms/"/>
-    <ds:schemaRef ds:uri="http://schemas.microsoft.com/office/2006/documentManagement/types"/>
-    <ds:schemaRef ds:uri="16c05727-aa75-4e4a-9b5f-8a80a1165891"/>
-    <ds:schemaRef ds:uri="http://purl.org/dc/dcmitype/"/>
-    <ds:schemaRef ds:uri="http://schemas.microsoft.com/office/infopath/2007/PartnerControls"/>
-    <ds:schemaRef ds:uri="http://schemas.openxmlformats.org/package/2006/metadata/core-properties"/>
-    <ds:schemaRef ds:uri="71af3243-3dd4-4a8d-8c0d-dd76da1f02a5"/>
-    <ds:schemaRef ds:uri="http://www.w3.org/XML/1998/namespace"/>
-  </ds:schemaRefs>
-</ds:datastoreItem>
+<file path=customXml/item2.xml><?xml version="1.0" encoding="utf-8"?>
+<?mso-contentType ?>
+<FormTemplates xmlns="http://schemas.microsoft.com/sharepoint/v3/contenttype/forms">
+  <Display>DocumentLibraryForm</Display>
+  <Edit>DocumentLibraryForm</Edit>
+  <New>DocumentLibraryForm</New>
+</FormTemplates>
 </file>
 
-<file path=customXml/itemProps2.xml><?xml version="1.0" encoding="utf-8"?>
-<ds:datastoreItem xmlns:ds="http://schemas.openxmlformats.org/officeDocument/2006/customXml" ds:itemID="{64143643-2CC1-40E8-8F96-3A622E5C8725}">
-  <ds:schemaRefs>
-    <ds:schemaRef ds:uri="http://schemas.microsoft.com/sharepoint/v3/contenttype/forms"/>
-  </ds:schemaRefs>
-</ds:datastoreItem>
+<file path=customXml/item3.xml><?xml version="1.0" encoding="utf-8"?>
+<p:properties xmlns:p="http://schemas.microsoft.com/office/2006/metadata/properties" xmlns:xsi="http://www.w3.org/2001/XMLSchema-instance" xmlns:pc="http://schemas.microsoft.com/office/infopath/2007/PartnerControls">
+  <documentManagement>
+    <MediaServiceKeyPoints xmlns="71af3243-3dd4-4a8d-8c0d-dd76da1f02a5" xsi:nil="true"/>
+  </documentManagement>
+</p:properties>
 </file>
 
-<file path=customXml/itemProps3.xml><?xml version="1.0" encoding="utf-8"?>
+<file path=customXml/itemProps1.xml><?xml version="1.0" encoding="utf-8"?>
 <ds:datastoreItem xmlns:ds="http://schemas.openxmlformats.org/officeDocument/2006/customXml" ds:itemID="{9BC39D06-EEDE-42A2-B3BB-C660DC8711B5}">
   <ds:schemaRefs>
     <ds:schemaRef ds:uri="http://schemas.microsoft.com/office/2006/metadata/contentType"/>
@@ -6277,4 +6193,29 @@
     <ds:schemaRef ds:uri="http://schemas.microsoft.com/internal/obd"/>
   </ds:schemaRefs>
 </ds:datastoreItem>
+</file>
+
+<file path=customXml/itemProps2.xml><?xml version="1.0" encoding="utf-8"?>
+<ds:datastoreItem xmlns:ds="http://schemas.openxmlformats.org/officeDocument/2006/customXml" ds:itemID="{64143643-2CC1-40E8-8F96-3A622E5C8725}">
+  <ds:schemaRefs>
+    <ds:schemaRef ds:uri="http://schemas.microsoft.com/sharepoint/v3/contenttype/forms"/>
+  </ds:schemaRefs>
+</ds:datastoreItem>
+</file>
+
+<file path=customXml/itemProps3.xml><?xml version="1.0" encoding="utf-8"?>
+<ds:datastoreItem xmlns:ds="http://schemas.openxmlformats.org/officeDocument/2006/customXml" ds:itemID="{E0CA591A-B9FA-47BD-A1F6-0A218B01BC5E}">
+  <ds:schemaRefs>
+    <ds:schemaRef ds:uri="http://purl.org/dc/terms/"/>
+    <ds:schemaRef ds:uri="http://schemas.openxmlformats.org/package/2006/metadata/core-properties"/>
+    <ds:schemaRef ds:uri="http://purl.org/dc/dcmitype/"/>
+    <ds:schemaRef ds:uri="http://schemas.microsoft.com/office/infopath/2007/PartnerControls"/>
+    <ds:schemaRef ds:uri="http://schemas.microsoft.com/office/2006/documentManagement/types"/>
+    <ds:schemaRef ds:uri="http://schemas.microsoft.com/office/2006/metadata/properties"/>
+    <ds:schemaRef ds:uri="71af3243-3dd4-4a8d-8c0d-dd76da1f02a5"/>
+    <ds:schemaRef ds:uri="16c05727-aa75-4e4a-9b5f-8a80a1165891"/>
+    <ds:schemaRef ds:uri="http://www.w3.org/XML/1998/namespace"/>
+    <ds:schemaRef ds:uri="http://purl.org/dc/elements/1.1/"/>
+  </ds:schemaRefs>
+</ds:datastoreItem>
 </file>